--- a/docs/Slides/CIS399Wk4Day2-Geolocation.pptx
+++ b/docs/Slides/CIS399Wk4Day2-Geolocation.pptx
@@ -238,7 +238,7 @@
           <a:p>
             <a:fld id="{1FC32AA1-1225-9048-80C3-2B6F58548154}" type="datetimeFigureOut">
               <a:rPr lang="en-US" smtClean="0"/>
-              <a:t>7/19/17</a:t>
+              <a:t>7/18/19</a:t>
             </a:fld>
             <a:endParaRPr lang="en-US"/>
           </a:p>
@@ -302,38 +302,37 @@
           <a:p>
             <a:pPr lvl="0"/>
             <a:r>
-              <a:rPr lang="en-US" smtClean="0"/>
+              <a:rPr lang="en-US"/>
               <a:t>Click to edit Master text styles</a:t>
             </a:r>
           </a:p>
           <a:p>
             <a:pPr lvl="1"/>
             <a:r>
-              <a:rPr lang="en-US" smtClean="0"/>
+              <a:rPr lang="en-US"/>
               <a:t>Second level</a:t>
             </a:r>
           </a:p>
           <a:p>
             <a:pPr lvl="2"/>
             <a:r>
-              <a:rPr lang="en-US" smtClean="0"/>
+              <a:rPr lang="en-US"/>
               <a:t>Third level</a:t>
             </a:r>
           </a:p>
           <a:p>
             <a:pPr lvl="3"/>
             <a:r>
-              <a:rPr lang="en-US" smtClean="0"/>
+              <a:rPr lang="en-US"/>
               <a:t>Fourth level</a:t>
             </a:r>
           </a:p>
           <a:p>
             <a:pPr lvl="4"/>
             <a:r>
-              <a:rPr lang="en-US" smtClean="0"/>
+              <a:rPr lang="en-US"/>
               <a:t>Fifth level</a:t>
             </a:r>
-            <a:endParaRPr lang="en-US"/>
           </a:p>
         </p:txBody>
       </p:sp>
@@ -551,11 +550,11 @@
           <a:lstStyle/>
           <a:p>
             <a:r>
-              <a:rPr lang="en-US" dirty="0" smtClean="0"/>
+              <a:rPr lang="en-US" dirty="0"/>
               <a:t>http://</a:t>
             </a:r>
             <a:r>
-              <a:rPr lang="en-US" dirty="0" err="1" smtClean="0"/>
+              <a:rPr lang="en-US" dirty="0" err="1"/>
               <a:t>sqlite.org</a:t>
             </a:r>
             <a:endParaRPr lang="en-US" dirty="0"/>
@@ -660,7 +659,7 @@
               <a:defRPr/>
             </a:pPr>
             <a:r>
-              <a:rPr lang="en-US" sz="2000" dirty="0" smtClean="0"/>
+              <a:rPr lang="en-US" sz="2000" dirty="0"/>
               <a:t>Required for automatic management of the connection to Google Play Services</a:t>
             </a:r>
           </a:p>
@@ -767,7 +766,7 @@
               <a:defRPr/>
             </a:pPr>
             <a:r>
-              <a:rPr lang="en-US" sz="2000" smtClean="0"/>
+              <a:rPr lang="en-US" sz="2000"/>
               <a:t>Required for automatic management of the connection to Google Play Services</a:t>
             </a:r>
           </a:p>
@@ -958,19 +957,19 @@
           <a:lstStyle/>
           <a:p>
             <a:r>
-              <a:rPr lang="en-US" dirty="0" smtClean="0"/>
+              <a:rPr lang="en-US" dirty="0"/>
               <a:t>https://</a:t>
             </a:r>
             <a:r>
-              <a:rPr lang="en-US" dirty="0" err="1" smtClean="0"/>
+              <a:rPr lang="en-US" dirty="0" err="1"/>
               <a:t>developer.android.com</a:t>
             </a:r>
             <a:r>
-              <a:rPr lang="en-US" dirty="0" smtClean="0"/>
+              <a:rPr lang="en-US" dirty="0"/>
               <a:t>/training/location/retrieve-</a:t>
             </a:r>
             <a:r>
-              <a:rPr lang="en-US" dirty="0" err="1" smtClean="0"/>
+              <a:rPr lang="en-US" dirty="0" err="1"/>
               <a:t>current.html</a:t>
             </a:r>
             <a:endParaRPr lang="en-US" dirty="0"/>
@@ -1058,18 +1057,17 @@
           <a:lstStyle/>
           <a:p>
             <a:r>
-              <a:rPr lang="en-US" dirty="0" smtClean="0"/>
+              <a:rPr lang="en-US" dirty="0"/>
               <a:t>https://</a:t>
             </a:r>
             <a:r>
-              <a:rPr lang="en-US" dirty="0" err="1" smtClean="0"/>
+              <a:rPr lang="en-US" dirty="0" err="1"/>
               <a:t>birdsbits.wordpress.com</a:t>
             </a:r>
             <a:r>
-              <a:rPr lang="en-US" dirty="0" smtClean="0"/>
+              <a:rPr lang="en-US" dirty="0"/>
               <a:t>/2016/05/27/create-location-aware-android-apps/</a:t>
             </a:r>
-            <a:endParaRPr lang="en-US" dirty="0"/>
           </a:p>
         </p:txBody>
       </p:sp>
@@ -1154,18 +1152,17 @@
           <a:lstStyle/>
           <a:p>
             <a:r>
-              <a:rPr lang="en-US" dirty="0" smtClean="0"/>
+              <a:rPr lang="en-US" dirty="0"/>
               <a:t>https://</a:t>
             </a:r>
             <a:r>
-              <a:rPr lang="en-US" dirty="0" err="1" smtClean="0"/>
+              <a:rPr lang="en-US" dirty="0" err="1"/>
               <a:t>birdsbits.wordpress.com</a:t>
             </a:r>
             <a:r>
-              <a:rPr lang="en-US" dirty="0" smtClean="0"/>
+              <a:rPr lang="en-US" dirty="0"/>
               <a:t>/2016/05/27/create-location-aware-android-apps/</a:t>
             </a:r>
-            <a:endParaRPr lang="en-US" dirty="0"/>
           </a:p>
         </p:txBody>
       </p:sp>
@@ -1250,18 +1247,17 @@
           <a:lstStyle/>
           <a:p>
             <a:r>
-              <a:rPr lang="en-US" dirty="0" smtClean="0"/>
+              <a:rPr lang="en-US" dirty="0"/>
               <a:t>https://</a:t>
             </a:r>
             <a:r>
-              <a:rPr lang="en-US" dirty="0" err="1" smtClean="0"/>
+              <a:rPr lang="en-US" dirty="0" err="1"/>
               <a:t>birdsbits.wordpress.com</a:t>
             </a:r>
             <a:r>
-              <a:rPr lang="en-US" dirty="0" smtClean="0"/>
+              <a:rPr lang="en-US" dirty="0"/>
               <a:t>/2016/05/27/create-location-aware-android-apps/</a:t>
             </a:r>
-            <a:endParaRPr lang="en-US" dirty="0"/>
           </a:p>
         </p:txBody>
       </p:sp>
@@ -1346,18 +1342,17 @@
           <a:lstStyle/>
           <a:p>
             <a:r>
-              <a:rPr lang="en-US" dirty="0" smtClean="0"/>
+              <a:rPr lang="en-US" dirty="0"/>
               <a:t>https://</a:t>
             </a:r>
             <a:r>
-              <a:rPr lang="en-US" dirty="0" err="1" smtClean="0"/>
+              <a:rPr lang="en-US" dirty="0" err="1"/>
               <a:t>birdsbits.wordpress.com</a:t>
             </a:r>
             <a:r>
-              <a:rPr lang="en-US" dirty="0" smtClean="0"/>
+              <a:rPr lang="en-US" dirty="0"/>
               <a:t>/2016/05/27/create-location-aware-android-apps/</a:t>
             </a:r>
-            <a:endParaRPr lang="en-US" dirty="0"/>
           </a:p>
         </p:txBody>
       </p:sp>
@@ -1442,18 +1437,17 @@
           <a:lstStyle/>
           <a:p>
             <a:r>
-              <a:rPr lang="en-US" dirty="0" smtClean="0"/>
+              <a:rPr lang="en-US" dirty="0"/>
               <a:t>https://</a:t>
             </a:r>
             <a:r>
-              <a:rPr lang="en-US" dirty="0" err="1" smtClean="0"/>
+              <a:rPr lang="en-US" dirty="0" err="1"/>
               <a:t>birdsbits.wordpress.com</a:t>
             </a:r>
             <a:r>
-              <a:rPr lang="en-US" dirty="0" smtClean="0"/>
+              <a:rPr lang="en-US" dirty="0"/>
               <a:t>/2016/05/27/create-location-aware-android-apps/</a:t>
             </a:r>
-            <a:endParaRPr lang="en-US" dirty="0"/>
           </a:p>
         </p:txBody>
       </p:sp>
@@ -1538,18 +1532,17 @@
           <a:lstStyle/>
           <a:p>
             <a:r>
-              <a:rPr lang="en-US" dirty="0" smtClean="0"/>
+              <a:rPr lang="en-US" dirty="0"/>
               <a:t>https://</a:t>
             </a:r>
             <a:r>
-              <a:rPr lang="en-US" dirty="0" err="1" smtClean="0"/>
+              <a:rPr lang="en-US" dirty="0" err="1"/>
               <a:t>birdsbits.wordpress.com</a:t>
             </a:r>
             <a:r>
-              <a:rPr lang="en-US" dirty="0" smtClean="0"/>
+              <a:rPr lang="en-US" dirty="0"/>
               <a:t>/2016/05/27/create-location-aware-android-apps/</a:t>
             </a:r>
-            <a:endParaRPr lang="en-US" dirty="0"/>
           </a:p>
         </p:txBody>
       </p:sp>
@@ -1634,19 +1627,19 @@
           <a:lstStyle/>
           <a:p>
             <a:r>
-              <a:rPr lang="en-US" dirty="0" smtClean="0"/>
+              <a:rPr lang="en-US" dirty="0"/>
               <a:t>https://</a:t>
             </a:r>
             <a:r>
-              <a:rPr lang="en-US" dirty="0" err="1" smtClean="0"/>
+              <a:rPr lang="en-US" dirty="0" err="1"/>
               <a:t>developer.android.com</a:t>
             </a:r>
             <a:r>
-              <a:rPr lang="en-US" dirty="0" smtClean="0"/>
+              <a:rPr lang="en-US" dirty="0"/>
               <a:t>/guide/topics/location/</a:t>
             </a:r>
             <a:r>
-              <a:rPr lang="en-US" dirty="0" err="1" smtClean="0"/>
+              <a:rPr lang="en-US" dirty="0" err="1"/>
               <a:t>strategies.html</a:t>
             </a:r>
             <a:endParaRPr lang="en-US" dirty="0"/>
@@ -1734,18 +1727,17 @@
           <a:lstStyle/>
           <a:p>
             <a:r>
-              <a:rPr lang="en-US" dirty="0" smtClean="0"/>
+              <a:rPr lang="en-US" dirty="0"/>
               <a:t>https://</a:t>
             </a:r>
             <a:r>
-              <a:rPr lang="en-US" dirty="0" err="1" smtClean="0"/>
+              <a:rPr lang="en-US" dirty="0" err="1"/>
               <a:t>birdsbits.wordpress.com</a:t>
             </a:r>
             <a:r>
-              <a:rPr lang="en-US" dirty="0" smtClean="0"/>
+              <a:rPr lang="en-US" dirty="0"/>
               <a:t>/2016/05/27/create-location-aware-android-apps/</a:t>
             </a:r>
-            <a:endParaRPr lang="en-US" dirty="0"/>
           </a:p>
         </p:txBody>
       </p:sp>
@@ -1830,18 +1822,17 @@
           <a:lstStyle/>
           <a:p>
             <a:r>
-              <a:rPr lang="en-US" dirty="0" smtClean="0"/>
+              <a:rPr lang="en-US" dirty="0"/>
               <a:t>https://</a:t>
             </a:r>
             <a:r>
-              <a:rPr lang="en-US" dirty="0" err="1" smtClean="0"/>
+              <a:rPr lang="en-US" dirty="0" err="1"/>
               <a:t>birdsbits.wordpress.com</a:t>
             </a:r>
             <a:r>
-              <a:rPr lang="en-US" dirty="0" smtClean="0"/>
+              <a:rPr lang="en-US" dirty="0"/>
               <a:t>/2016/05/27/create-location-aware-android-apps/</a:t>
             </a:r>
-            <a:endParaRPr lang="en-US" dirty="0"/>
           </a:p>
         </p:txBody>
       </p:sp>
@@ -1926,18 +1917,17 @@
           <a:lstStyle/>
           <a:p>
             <a:r>
-              <a:rPr lang="en-US" dirty="0" smtClean="0"/>
+              <a:rPr lang="en-US" dirty="0"/>
               <a:t>https://</a:t>
             </a:r>
             <a:r>
-              <a:rPr lang="en-US" dirty="0" err="1" smtClean="0"/>
+              <a:rPr lang="en-US" dirty="0" err="1"/>
               <a:t>birdsbits.wordpress.com</a:t>
             </a:r>
             <a:r>
-              <a:rPr lang="en-US" dirty="0" smtClean="0"/>
+              <a:rPr lang="en-US" dirty="0"/>
               <a:t>/2016/05/27/create-location-aware-android-apps/</a:t>
             </a:r>
-            <a:endParaRPr lang="en-US" dirty="0"/>
           </a:p>
         </p:txBody>
       </p:sp>
@@ -2022,15 +2012,15 @@
           <a:lstStyle/>
           <a:p>
             <a:r>
-              <a:rPr lang="en-US" dirty="0" smtClean="0"/>
+              <a:rPr lang="en-US" dirty="0"/>
               <a:t>Pros and Cons</a:t>
             </a:r>
             <a:r>
-              <a:rPr lang="en-US" baseline="0" dirty="0" smtClean="0"/>
+              <a:rPr lang="en-US" baseline="0" dirty="0"/>
               <a:t> of Network apply to both cellular and </a:t>
             </a:r>
             <a:r>
-              <a:rPr lang="en-US" baseline="0" dirty="0" err="1" smtClean="0"/>
+              <a:rPr lang="en-US" baseline="0" dirty="0" err="1"/>
               <a:t>WiFi</a:t>
             </a:r>
             <a:endParaRPr lang="en-US" dirty="0"/>
@@ -2119,13 +2109,13 @@
           <a:p>
             <a:pPr lvl="0"/>
             <a:r>
-              <a:rPr lang="en-US" dirty="0" smtClean="0">
+              <a:rPr lang="en-US" dirty="0">
                 <a:hlinkClick r:id="rId3"/>
               </a:rPr>
               <a:t>https://birdsbits.wordpress.com/2016/05/27/create-location-aware-android-apps/</a:t>
             </a:r>
             <a:r>
-              <a:rPr lang="en-US" dirty="0" smtClean="0"/>
+              <a:rPr lang="en-US" dirty="0"/>
               <a:t> </a:t>
             </a:r>
           </a:p>
@@ -2212,22 +2202,21 @@
           <a:lstStyle/>
           <a:p>
             <a:r>
-              <a:rPr lang="en-US" dirty="0" smtClean="0">
+              <a:rPr lang="en-US" dirty="0">
                 <a:hlinkClick r:id="rId3"/>
               </a:rPr>
               <a:t>https://birdsbits.wordpress.com/2016/05/27/the-google-play-services-apis</a:t>
             </a:r>
-            <a:endParaRPr lang="en-US" dirty="0" smtClean="0"/>
-          </a:p>
-          <a:p>
-            <a:endParaRPr lang="en-US" dirty="0" smtClean="0"/>
-          </a:p>
-          <a:p>
-            <a:r>
-              <a:rPr lang="en-US" dirty="0" smtClean="0"/>
+            <a:endParaRPr lang="en-US" dirty="0"/>
+          </a:p>
+          <a:p>
+            <a:endParaRPr lang="en-US" dirty="0"/>
+          </a:p>
+          <a:p>
+            <a:r>
+              <a:rPr lang="en-US" dirty="0"/>
               <a:t>GPS is also called Google API’s for android</a:t>
             </a:r>
-            <a:endParaRPr lang="en-US" dirty="0"/>
           </a:p>
         </p:txBody>
       </p:sp>
@@ -2396,20 +2385,20 @@
           <a:lstStyle/>
           <a:p>
             <a:r>
-              <a:rPr lang="en-US" dirty="0" smtClean="0"/>
+              <a:rPr lang="en-US" dirty="0"/>
               <a:t>GPS = Google Play Services</a:t>
             </a:r>
           </a:p>
           <a:p>
             <a:r>
-              <a:rPr lang="en-US" dirty="0" smtClean="0"/>
+              <a:rPr lang="en-US" dirty="0"/>
               <a:t>Add</a:t>
             </a:r>
             <a:r>
-              <a:rPr lang="en-US" baseline="0" dirty="0" smtClean="0"/>
+              <a:rPr lang="en-US" baseline="0" dirty="0"/>
               <a:t> GPS to your project:</a:t>
             </a:r>
-            <a:endParaRPr lang="en-US" dirty="0" smtClean="0"/>
+            <a:endParaRPr lang="en-US" dirty="0"/>
           </a:p>
           <a:p>
             <a:pPr marL="0" marR="0" indent="0" algn="l" defTabSz="457200" rtl="0" eaLnBrk="1" fontAlgn="auto" latinLnBrk="0" hangingPunct="1">
@@ -2430,13 +2419,13 @@
               <a:defRPr/>
             </a:pPr>
             <a:r>
-              <a:rPr lang="en-US" dirty="0" smtClean="0">
+              <a:rPr lang="en-US" dirty="0">
                 <a:hlinkClick r:id="rId3"/>
               </a:rPr>
               <a:t>https://developers.google.com/android/guides/setup#add_google_play_services_to_your_project</a:t>
             </a:r>
             <a:r>
-              <a:rPr lang="en-US" dirty="0" smtClean="0"/>
+              <a:rPr lang="en-US" dirty="0"/>
               <a:t> </a:t>
             </a:r>
           </a:p>
@@ -2627,13 +2616,13 @@
               <a:defRPr/>
             </a:pPr>
             <a:r>
-              <a:rPr lang="en-US" dirty="0" smtClean="0">
+              <a:rPr lang="en-US" dirty="0">
                 <a:hlinkClick r:id="rId3"/>
               </a:rPr>
               <a:t>https://developers.google.com/android/guides/api-client</a:t>
             </a:r>
             <a:r>
-              <a:rPr lang="en-US" dirty="0" smtClean="0"/>
+              <a:rPr lang="en-US" dirty="0"/>
               <a:t> </a:t>
             </a:r>
           </a:p>
@@ -2716,10 +2705,9 @@
           <a:lstStyle/>
           <a:p>
             <a:r>
-              <a:rPr lang="en-US" smtClean="0"/>
+              <a:rPr lang="en-US"/>
               <a:t>Click to edit Master title style</a:t>
             </a:r>
-            <a:endParaRPr lang="en-US"/>
           </a:p>
         </p:txBody>
       </p:sp>
@@ -2835,10 +2823,9 @@
           </a:lstStyle>
           <a:p>
             <a:r>
-              <a:rPr lang="en-US" smtClean="0"/>
+              <a:rPr lang="en-US"/>
               <a:t>Click to edit Master subtitle style</a:t>
             </a:r>
-            <a:endParaRPr lang="en-US"/>
           </a:p>
         </p:txBody>
       </p:sp>
@@ -2859,7 +2846,7 @@
           <a:p>
             <a:fld id="{12110144-19AD-4D4E-902D-E18AF93089D3}" type="datetimeFigureOut">
               <a:rPr lang="en-US" smtClean="0"/>
-              <a:t>7/19/17</a:t>
+              <a:t>7/18/19</a:t>
             </a:fld>
             <a:endParaRPr lang="en-US"/>
           </a:p>
@@ -2953,10 +2940,9 @@
           <a:lstStyle/>
           <a:p>
             <a:r>
-              <a:rPr lang="en-US" smtClean="0"/>
+              <a:rPr lang="en-US"/>
               <a:t>Click to edit Master title style</a:t>
             </a:r>
-            <a:endParaRPr lang="en-US"/>
           </a:p>
         </p:txBody>
       </p:sp>
@@ -2977,38 +2963,37 @@
           <a:p>
             <a:pPr lvl="0"/>
             <a:r>
-              <a:rPr lang="en-US" smtClean="0"/>
+              <a:rPr lang="en-US"/>
               <a:t>Click to edit Master text styles</a:t>
             </a:r>
           </a:p>
           <a:p>
             <a:pPr lvl="1"/>
             <a:r>
-              <a:rPr lang="en-US" smtClean="0"/>
+              <a:rPr lang="en-US"/>
               <a:t>Second level</a:t>
             </a:r>
           </a:p>
           <a:p>
             <a:pPr lvl="2"/>
             <a:r>
-              <a:rPr lang="en-US" smtClean="0"/>
+              <a:rPr lang="en-US"/>
               <a:t>Third level</a:t>
             </a:r>
           </a:p>
           <a:p>
             <a:pPr lvl="3"/>
             <a:r>
-              <a:rPr lang="en-US" smtClean="0"/>
+              <a:rPr lang="en-US"/>
               <a:t>Fourth level</a:t>
             </a:r>
           </a:p>
           <a:p>
             <a:pPr lvl="4"/>
             <a:r>
-              <a:rPr lang="en-US" smtClean="0"/>
+              <a:rPr lang="en-US"/>
               <a:t>Fifth level</a:t>
             </a:r>
-            <a:endParaRPr lang="en-US"/>
           </a:p>
         </p:txBody>
       </p:sp>
@@ -3029,7 +3014,7 @@
           <a:p>
             <a:fld id="{12110144-19AD-4D4E-902D-E18AF93089D3}" type="datetimeFigureOut">
               <a:rPr lang="en-US" smtClean="0"/>
-              <a:t>7/19/17</a:t>
+              <a:t>7/18/19</a:t>
             </a:fld>
             <a:endParaRPr lang="en-US"/>
           </a:p>
@@ -3128,10 +3113,9 @@
           <a:lstStyle/>
           <a:p>
             <a:r>
-              <a:rPr lang="en-US" smtClean="0"/>
+              <a:rPr lang="en-US"/>
               <a:t>Click to edit Master title style</a:t>
             </a:r>
-            <a:endParaRPr lang="en-US"/>
           </a:p>
         </p:txBody>
       </p:sp>
@@ -3157,38 +3141,37 @@
           <a:p>
             <a:pPr lvl="0"/>
             <a:r>
-              <a:rPr lang="en-US" smtClean="0"/>
+              <a:rPr lang="en-US"/>
               <a:t>Click to edit Master text styles</a:t>
             </a:r>
           </a:p>
           <a:p>
             <a:pPr lvl="1"/>
             <a:r>
-              <a:rPr lang="en-US" smtClean="0"/>
+              <a:rPr lang="en-US"/>
               <a:t>Second level</a:t>
             </a:r>
           </a:p>
           <a:p>
             <a:pPr lvl="2"/>
             <a:r>
-              <a:rPr lang="en-US" smtClean="0"/>
+              <a:rPr lang="en-US"/>
               <a:t>Third level</a:t>
             </a:r>
           </a:p>
           <a:p>
             <a:pPr lvl="3"/>
             <a:r>
-              <a:rPr lang="en-US" smtClean="0"/>
+              <a:rPr lang="en-US"/>
               <a:t>Fourth level</a:t>
             </a:r>
           </a:p>
           <a:p>
             <a:pPr lvl="4"/>
             <a:r>
-              <a:rPr lang="en-US" smtClean="0"/>
+              <a:rPr lang="en-US"/>
               <a:t>Fifth level</a:t>
             </a:r>
-            <a:endParaRPr lang="en-US"/>
           </a:p>
         </p:txBody>
       </p:sp>
@@ -3209,7 +3192,7 @@
           <a:p>
             <a:fld id="{12110144-19AD-4D4E-902D-E18AF93089D3}" type="datetimeFigureOut">
               <a:rPr lang="en-US" smtClean="0"/>
-              <a:t>7/19/17</a:t>
+              <a:t>7/18/19</a:t>
             </a:fld>
             <a:endParaRPr lang="en-US"/>
           </a:p>
@@ -3303,10 +3286,9 @@
           <a:lstStyle/>
           <a:p>
             <a:r>
-              <a:rPr lang="en-US" smtClean="0"/>
+              <a:rPr lang="en-US"/>
               <a:t>Click to edit Master title style</a:t>
             </a:r>
-            <a:endParaRPr lang="en-US"/>
           </a:p>
         </p:txBody>
       </p:sp>
@@ -3327,38 +3309,37 @@
           <a:p>
             <a:pPr lvl="0"/>
             <a:r>
-              <a:rPr lang="en-US" smtClean="0"/>
+              <a:rPr lang="en-US"/>
               <a:t>Click to edit Master text styles</a:t>
             </a:r>
           </a:p>
           <a:p>
             <a:pPr lvl="1"/>
             <a:r>
-              <a:rPr lang="en-US" smtClean="0"/>
+              <a:rPr lang="en-US"/>
               <a:t>Second level</a:t>
             </a:r>
           </a:p>
           <a:p>
             <a:pPr lvl="2"/>
             <a:r>
-              <a:rPr lang="en-US" smtClean="0"/>
+              <a:rPr lang="en-US"/>
               <a:t>Third level</a:t>
             </a:r>
           </a:p>
           <a:p>
             <a:pPr lvl="3"/>
             <a:r>
-              <a:rPr lang="en-US" smtClean="0"/>
+              <a:rPr lang="en-US"/>
               <a:t>Fourth level</a:t>
             </a:r>
           </a:p>
           <a:p>
             <a:pPr lvl="4"/>
             <a:r>
-              <a:rPr lang="en-US" smtClean="0"/>
+              <a:rPr lang="en-US"/>
               <a:t>Fifth level</a:t>
             </a:r>
-            <a:endParaRPr lang="en-US"/>
           </a:p>
         </p:txBody>
       </p:sp>
@@ -3379,7 +3360,7 @@
           <a:p>
             <a:fld id="{12110144-19AD-4D4E-902D-E18AF93089D3}" type="datetimeFigureOut">
               <a:rPr lang="en-US" smtClean="0"/>
-              <a:t>7/19/17</a:t>
+              <a:t>7/18/19</a:t>
             </a:fld>
             <a:endParaRPr lang="en-US"/>
           </a:p>
@@ -3482,10 +3463,9 @@
           </a:lstStyle>
           <a:p>
             <a:r>
-              <a:rPr lang="en-US" smtClean="0"/>
+              <a:rPr lang="en-US"/>
               <a:t>Click to edit Master title style</a:t>
             </a:r>
-            <a:endParaRPr lang="en-US"/>
           </a:p>
         </p:txBody>
       </p:sp>
@@ -3602,7 +3582,7 @@
           <a:p>
             <a:pPr lvl="0"/>
             <a:r>
-              <a:rPr lang="en-US" smtClean="0"/>
+              <a:rPr lang="en-US"/>
               <a:t>Click to edit Master text styles</a:t>
             </a:r>
           </a:p>
@@ -3625,7 +3605,7 @@
           <a:p>
             <a:fld id="{12110144-19AD-4D4E-902D-E18AF93089D3}" type="datetimeFigureOut">
               <a:rPr lang="en-US" smtClean="0"/>
-              <a:t>7/19/17</a:t>
+              <a:t>7/18/19</a:t>
             </a:fld>
             <a:endParaRPr lang="en-US"/>
           </a:p>
@@ -3719,10 +3699,9 @@
           <a:lstStyle/>
           <a:p>
             <a:r>
-              <a:rPr lang="en-US" smtClean="0"/>
+              <a:rPr lang="en-US"/>
               <a:t>Click to edit Master title style</a:t>
             </a:r>
-            <a:endParaRPr lang="en-US"/>
           </a:p>
         </p:txBody>
       </p:sp>
@@ -3776,38 +3755,37 @@
           <a:p>
             <a:pPr lvl="0"/>
             <a:r>
-              <a:rPr lang="en-US" smtClean="0"/>
+              <a:rPr lang="en-US"/>
               <a:t>Click to edit Master text styles</a:t>
             </a:r>
           </a:p>
           <a:p>
             <a:pPr lvl="1"/>
             <a:r>
-              <a:rPr lang="en-US" smtClean="0"/>
+              <a:rPr lang="en-US"/>
               <a:t>Second level</a:t>
             </a:r>
           </a:p>
           <a:p>
             <a:pPr lvl="2"/>
             <a:r>
-              <a:rPr lang="en-US" smtClean="0"/>
+              <a:rPr lang="en-US"/>
               <a:t>Third level</a:t>
             </a:r>
           </a:p>
           <a:p>
             <a:pPr lvl="3"/>
             <a:r>
-              <a:rPr lang="en-US" smtClean="0"/>
+              <a:rPr lang="en-US"/>
               <a:t>Fourth level</a:t>
             </a:r>
           </a:p>
           <a:p>
             <a:pPr lvl="4"/>
             <a:r>
-              <a:rPr lang="en-US" smtClean="0"/>
+              <a:rPr lang="en-US"/>
               <a:t>Fifth level</a:t>
             </a:r>
-            <a:endParaRPr lang="en-US"/>
           </a:p>
         </p:txBody>
       </p:sp>
@@ -3861,38 +3839,37 @@
           <a:p>
             <a:pPr lvl="0"/>
             <a:r>
-              <a:rPr lang="en-US" smtClean="0"/>
+              <a:rPr lang="en-US"/>
               <a:t>Click to edit Master text styles</a:t>
             </a:r>
           </a:p>
           <a:p>
             <a:pPr lvl="1"/>
             <a:r>
-              <a:rPr lang="en-US" smtClean="0"/>
+              <a:rPr lang="en-US"/>
               <a:t>Second level</a:t>
             </a:r>
           </a:p>
           <a:p>
             <a:pPr lvl="2"/>
             <a:r>
-              <a:rPr lang="en-US" smtClean="0"/>
+              <a:rPr lang="en-US"/>
               <a:t>Third level</a:t>
             </a:r>
           </a:p>
           <a:p>
             <a:pPr lvl="3"/>
             <a:r>
-              <a:rPr lang="en-US" smtClean="0"/>
+              <a:rPr lang="en-US"/>
               <a:t>Fourth level</a:t>
             </a:r>
           </a:p>
           <a:p>
             <a:pPr lvl="4"/>
             <a:r>
-              <a:rPr lang="en-US" smtClean="0"/>
+              <a:rPr lang="en-US"/>
               <a:t>Fifth level</a:t>
             </a:r>
-            <a:endParaRPr lang="en-US"/>
           </a:p>
         </p:txBody>
       </p:sp>
@@ -3913,7 +3890,7 @@
           <a:p>
             <a:fld id="{12110144-19AD-4D4E-902D-E18AF93089D3}" type="datetimeFigureOut">
               <a:rPr lang="en-US" smtClean="0"/>
-              <a:t>7/19/17</a:t>
+              <a:t>7/18/19</a:t>
             </a:fld>
             <a:endParaRPr lang="en-US"/>
           </a:p>
@@ -4011,10 +3988,9 @@
           </a:lstStyle>
           <a:p>
             <a:r>
-              <a:rPr lang="en-US" smtClean="0"/>
+              <a:rPr lang="en-US"/>
               <a:t>Click to edit Master title style</a:t>
             </a:r>
-            <a:endParaRPr lang="en-US"/>
           </a:p>
         </p:txBody>
       </p:sp>
@@ -4077,7 +4053,7 @@
           <a:p>
             <a:pPr lvl="0"/>
             <a:r>
-              <a:rPr lang="en-US" smtClean="0"/>
+              <a:rPr lang="en-US"/>
               <a:t>Click to edit Master text styles</a:t>
             </a:r>
           </a:p>
@@ -4133,38 +4109,37 @@
           <a:p>
             <a:pPr lvl="0"/>
             <a:r>
-              <a:rPr lang="en-US" smtClean="0"/>
+              <a:rPr lang="en-US"/>
               <a:t>Click to edit Master text styles</a:t>
             </a:r>
           </a:p>
           <a:p>
             <a:pPr lvl="1"/>
             <a:r>
-              <a:rPr lang="en-US" smtClean="0"/>
+              <a:rPr lang="en-US"/>
               <a:t>Second level</a:t>
             </a:r>
           </a:p>
           <a:p>
             <a:pPr lvl="2"/>
             <a:r>
-              <a:rPr lang="en-US" smtClean="0"/>
+              <a:rPr lang="en-US"/>
               <a:t>Third level</a:t>
             </a:r>
           </a:p>
           <a:p>
             <a:pPr lvl="3"/>
             <a:r>
-              <a:rPr lang="en-US" smtClean="0"/>
+              <a:rPr lang="en-US"/>
               <a:t>Fourth level</a:t>
             </a:r>
           </a:p>
           <a:p>
             <a:pPr lvl="4"/>
             <a:r>
-              <a:rPr lang="en-US" smtClean="0"/>
+              <a:rPr lang="en-US"/>
               <a:t>Fifth level</a:t>
             </a:r>
-            <a:endParaRPr lang="en-US"/>
           </a:p>
         </p:txBody>
       </p:sp>
@@ -4227,7 +4202,7 @@
           <a:p>
             <a:pPr lvl="0"/>
             <a:r>
-              <a:rPr lang="en-US" smtClean="0"/>
+              <a:rPr lang="en-US"/>
               <a:t>Click to edit Master text styles</a:t>
             </a:r>
           </a:p>
@@ -4283,38 +4258,37 @@
           <a:p>
             <a:pPr lvl="0"/>
             <a:r>
-              <a:rPr lang="en-US" smtClean="0"/>
+              <a:rPr lang="en-US"/>
               <a:t>Click to edit Master text styles</a:t>
             </a:r>
           </a:p>
           <a:p>
             <a:pPr lvl="1"/>
             <a:r>
-              <a:rPr lang="en-US" smtClean="0"/>
+              <a:rPr lang="en-US"/>
               <a:t>Second level</a:t>
             </a:r>
           </a:p>
           <a:p>
             <a:pPr lvl="2"/>
             <a:r>
-              <a:rPr lang="en-US" smtClean="0"/>
+              <a:rPr lang="en-US"/>
               <a:t>Third level</a:t>
             </a:r>
           </a:p>
           <a:p>
             <a:pPr lvl="3"/>
             <a:r>
-              <a:rPr lang="en-US" smtClean="0"/>
+              <a:rPr lang="en-US"/>
               <a:t>Fourth level</a:t>
             </a:r>
           </a:p>
           <a:p>
             <a:pPr lvl="4"/>
             <a:r>
-              <a:rPr lang="en-US" smtClean="0"/>
+              <a:rPr lang="en-US"/>
               <a:t>Fifth level</a:t>
             </a:r>
-            <a:endParaRPr lang="en-US"/>
           </a:p>
         </p:txBody>
       </p:sp>
@@ -4335,7 +4309,7 @@
           <a:p>
             <a:fld id="{12110144-19AD-4D4E-902D-E18AF93089D3}" type="datetimeFigureOut">
               <a:rPr lang="en-US" smtClean="0"/>
-              <a:t>7/19/17</a:t>
+              <a:t>7/18/19</a:t>
             </a:fld>
             <a:endParaRPr lang="en-US"/>
           </a:p>
@@ -4429,10 +4403,9 @@
           <a:lstStyle/>
           <a:p>
             <a:r>
-              <a:rPr lang="en-US" smtClean="0"/>
+              <a:rPr lang="en-US"/>
               <a:t>Click to edit Master title style</a:t>
             </a:r>
-            <a:endParaRPr lang="en-US"/>
           </a:p>
         </p:txBody>
       </p:sp>
@@ -4453,7 +4426,7 @@
           <a:p>
             <a:fld id="{12110144-19AD-4D4E-902D-E18AF93089D3}" type="datetimeFigureOut">
               <a:rPr lang="en-US" smtClean="0"/>
-              <a:t>7/19/17</a:t>
+              <a:t>7/18/19</a:t>
             </a:fld>
             <a:endParaRPr lang="en-US"/>
           </a:p>
@@ -4548,7 +4521,7 @@
           <a:p>
             <a:fld id="{12110144-19AD-4D4E-902D-E18AF93089D3}" type="datetimeFigureOut">
               <a:rPr lang="en-US" smtClean="0"/>
-              <a:t>7/19/17</a:t>
+              <a:t>7/18/19</a:t>
             </a:fld>
             <a:endParaRPr lang="en-US"/>
           </a:p>
@@ -4651,10 +4624,9 @@
           </a:lstStyle>
           <a:p>
             <a:r>
-              <a:rPr lang="en-US" smtClean="0"/>
+              <a:rPr lang="en-US"/>
               <a:t>Click to edit Master title style</a:t>
             </a:r>
-            <a:endParaRPr lang="en-US"/>
           </a:p>
         </p:txBody>
       </p:sp>
@@ -4708,38 +4680,37 @@
           <a:p>
             <a:pPr lvl="0"/>
             <a:r>
-              <a:rPr lang="en-US" smtClean="0"/>
+              <a:rPr lang="en-US"/>
               <a:t>Click to edit Master text styles</a:t>
             </a:r>
           </a:p>
           <a:p>
             <a:pPr lvl="1"/>
             <a:r>
-              <a:rPr lang="en-US" smtClean="0"/>
+              <a:rPr lang="en-US"/>
               <a:t>Second level</a:t>
             </a:r>
           </a:p>
           <a:p>
             <a:pPr lvl="2"/>
             <a:r>
-              <a:rPr lang="en-US" smtClean="0"/>
+              <a:rPr lang="en-US"/>
               <a:t>Third level</a:t>
             </a:r>
           </a:p>
           <a:p>
             <a:pPr lvl="3"/>
             <a:r>
-              <a:rPr lang="en-US" smtClean="0"/>
+              <a:rPr lang="en-US"/>
               <a:t>Fourth level</a:t>
             </a:r>
           </a:p>
           <a:p>
             <a:pPr lvl="4"/>
             <a:r>
-              <a:rPr lang="en-US" smtClean="0"/>
+              <a:rPr lang="en-US"/>
               <a:t>Fifth level</a:t>
             </a:r>
-            <a:endParaRPr lang="en-US"/>
           </a:p>
         </p:txBody>
       </p:sp>
@@ -4802,7 +4773,7 @@
           <a:p>
             <a:pPr lvl="0"/>
             <a:r>
-              <a:rPr lang="en-US" smtClean="0"/>
+              <a:rPr lang="en-US"/>
               <a:t>Click to edit Master text styles</a:t>
             </a:r>
           </a:p>
@@ -4825,7 +4796,7 @@
           <a:p>
             <a:fld id="{12110144-19AD-4D4E-902D-E18AF93089D3}" type="datetimeFigureOut">
               <a:rPr lang="en-US" smtClean="0"/>
-              <a:t>7/19/17</a:t>
+              <a:t>7/18/19</a:t>
             </a:fld>
             <a:endParaRPr lang="en-US"/>
           </a:p>
@@ -4928,10 +4899,9 @@
           </a:lstStyle>
           <a:p>
             <a:r>
-              <a:rPr lang="en-US" smtClean="0"/>
+              <a:rPr lang="en-US"/>
               <a:t>Click to edit Master title style</a:t>
             </a:r>
-            <a:endParaRPr lang="en-US"/>
           </a:p>
         </p:txBody>
       </p:sp>
@@ -5055,7 +5025,7 @@
           <a:p>
             <a:pPr lvl="0"/>
             <a:r>
-              <a:rPr lang="en-US" smtClean="0"/>
+              <a:rPr lang="en-US"/>
               <a:t>Click to edit Master text styles</a:t>
             </a:r>
           </a:p>
@@ -5078,7 +5048,7 @@
           <a:p>
             <a:fld id="{12110144-19AD-4D4E-902D-E18AF93089D3}" type="datetimeFigureOut">
               <a:rPr lang="en-US" smtClean="0"/>
-              <a:t>7/19/17</a:t>
+              <a:t>7/18/19</a:t>
             </a:fld>
             <a:endParaRPr lang="en-US"/>
           </a:p>
@@ -5205,10 +5175,9 @@
           <a:lstStyle/>
           <a:p>
             <a:r>
-              <a:rPr lang="en-US" smtClean="0"/>
+              <a:rPr lang="en-US"/>
               <a:t>Click to edit Master title style</a:t>
             </a:r>
-            <a:endParaRPr lang="en-US"/>
           </a:p>
         </p:txBody>
       </p:sp>
@@ -5239,38 +5208,37 @@
           <a:p>
             <a:pPr lvl="0"/>
             <a:r>
-              <a:rPr lang="en-US" smtClean="0"/>
+              <a:rPr lang="en-US"/>
               <a:t>Click to edit Master text styles</a:t>
             </a:r>
           </a:p>
           <a:p>
             <a:pPr lvl="1"/>
             <a:r>
-              <a:rPr lang="en-US" smtClean="0"/>
+              <a:rPr lang="en-US"/>
               <a:t>Second level</a:t>
             </a:r>
           </a:p>
           <a:p>
             <a:pPr lvl="2"/>
             <a:r>
-              <a:rPr lang="en-US" smtClean="0"/>
+              <a:rPr lang="en-US"/>
               <a:t>Third level</a:t>
             </a:r>
           </a:p>
           <a:p>
             <a:pPr lvl="3"/>
             <a:r>
-              <a:rPr lang="en-US" smtClean="0"/>
+              <a:rPr lang="en-US"/>
               <a:t>Fourth level</a:t>
             </a:r>
           </a:p>
           <a:p>
             <a:pPr lvl="4"/>
             <a:r>
-              <a:rPr lang="en-US" smtClean="0"/>
+              <a:rPr lang="en-US"/>
               <a:t>Fifth level</a:t>
             </a:r>
-            <a:endParaRPr lang="en-US"/>
           </a:p>
         </p:txBody>
       </p:sp>
@@ -5309,7 +5277,7 @@
           <a:p>
             <a:fld id="{12110144-19AD-4D4E-902D-E18AF93089D3}" type="datetimeFigureOut">
               <a:rPr lang="en-US" smtClean="0"/>
-              <a:t>7/19/17</a:t>
+              <a:t>7/18/19</a:t>
             </a:fld>
             <a:endParaRPr lang="en-US"/>
           </a:p>
@@ -5723,7 +5691,7 @@
               </a:spcAft>
             </a:pPr>
             <a:r>
-              <a:rPr lang="en-US" sz="8800" b="1" dirty="0" smtClean="0"/>
+              <a:rPr lang="en-US" sz="8800" b="1" dirty="0"/>
               <a:t>Geolocation</a:t>
             </a:r>
             <a:endParaRPr lang="en-US" sz="9600" b="1" dirty="0"/>
@@ -5753,18 +5721,13 @@
           <a:lstStyle/>
           <a:p>
             <a:r>
-              <a:rPr lang="en-US" sz="4400" dirty="0" smtClean="0">
+              <a:rPr lang="en-US" sz="4400" dirty="0">
                 <a:solidFill>
                   <a:schemeClr val="tx1"/>
                 </a:solidFill>
               </a:rPr>
               <a:t>CIS 399</a:t>
             </a:r>
-            <a:endParaRPr lang="en-US" sz="4400" dirty="0">
-              <a:solidFill>
-                <a:schemeClr val="tx1"/>
-              </a:solidFill>
-            </a:endParaRPr>
           </a:p>
         </p:txBody>
       </p:sp>
@@ -5778,13 +5741,6 @@
   <p:clrMapOvr>
     <a:masterClrMapping/>
   </p:clrMapOvr>
-  <p:timing>
-    <p:tnLst>
-      <p:par>
-        <p:cTn id="1" dur="indefinite" restart="never" nodeType="tmRoot"/>
-      </p:par>
-    </p:tnLst>
-  </p:timing>
 </p:sld>
 </file>
 
@@ -5823,18 +5779,13 @@
           <a:lstStyle/>
           <a:p>
             <a:r>
-              <a:rPr lang="en-US" dirty="0" smtClean="0">
+              <a:rPr lang="en-US" dirty="0">
                 <a:solidFill>
                   <a:srgbClr val="0000FF"/>
                 </a:solidFill>
               </a:rPr>
               <a:t>A Sampling of GPS APIs</a:t>
             </a:r>
-            <a:endParaRPr lang="en-US" dirty="0">
-              <a:solidFill>
-                <a:srgbClr val="0000FF"/>
-              </a:solidFill>
-            </a:endParaRPr>
           </a:p>
         </p:txBody>
       </p:sp>
@@ -5911,13 +5862,6 @@
   <p:clrMapOvr>
     <a:masterClrMapping/>
   </p:clrMapOvr>
-  <p:timing>
-    <p:tnLst>
-      <p:par>
-        <p:cTn id="1" dur="indefinite" restart="never" nodeType="tmRoot"/>
-      </p:par>
-    </p:tnLst>
-  </p:timing>
 </p:sld>
 </file>
 
@@ -5961,18 +5905,13 @@
           <a:lstStyle/>
           <a:p>
             <a:r>
-              <a:rPr lang="en-US" dirty="0" smtClean="0">
+              <a:rPr lang="en-US" dirty="0">
                 <a:solidFill>
                   <a:srgbClr val="0000FF"/>
                 </a:solidFill>
               </a:rPr>
               <a:t>Add GPS to Your Project</a:t>
             </a:r>
-            <a:endParaRPr lang="en-US" dirty="0">
-              <a:solidFill>
-                <a:srgbClr val="0000FF"/>
-              </a:solidFill>
-            </a:endParaRPr>
           </a:p>
         </p:txBody>
       </p:sp>
@@ -6012,11 +5951,7 @@
             </a:r>
             <a:r>
               <a:rPr lang="en-US" dirty="0"/>
-              <a:t>directory</a:t>
-            </a:r>
-            <a:r>
-              <a:rPr lang="en-US" dirty="0" smtClean="0"/>
-              <a:t>.</a:t>
+              <a:t>directory.</a:t>
             </a:r>
           </a:p>
           <a:p>
@@ -6026,31 +5961,12 @@
             </a:pPr>
             <a:r>
               <a:rPr lang="en-US" dirty="0"/>
-              <a:t>Add a new build rule </a:t>
-            </a:r>
-            <a:r>
-              <a:rPr lang="en-US" dirty="0" smtClean="0"/>
-              <a:t>for </a:t>
-            </a:r>
-            <a:r>
+              <a:t>Add a new build rule for the latest version of play-services. For example:</a:t>
+            </a:r>
+            <a:br>
               <a:rPr lang="en-US" dirty="0"/>
-              <a:t>the latest version of play-services. For example</a:t>
-            </a:r>
-            <a:r>
-              <a:rPr lang="en-US" dirty="0" smtClean="0"/>
-              <a:t>:</a:t>
-            </a:r>
-            <a:br>
-              <a:rPr lang="en-US" dirty="0" smtClean="0"/>
             </a:br>
-            <a:endParaRPr lang="en-US" dirty="0" smtClean="0"/>
-          </a:p>
-          <a:p>
-            <a:pPr marL="514350" indent="-514350">
-              <a:buFont typeface="+mj-lt"/>
-              <a:buAutoNum type="arabicPeriod"/>
-            </a:pPr>
-            <a:endParaRPr lang="en-US" dirty="0" smtClean="0"/>
+            <a:endParaRPr lang="en-US" dirty="0"/>
           </a:p>
           <a:p>
             <a:pPr marL="514350" indent="-514350">
@@ -6064,7 +5980,7 @@
               <a:buFont typeface="+mj-lt"/>
               <a:buAutoNum type="arabicPeriod"/>
             </a:pPr>
-            <a:endParaRPr lang="en-US" dirty="0" smtClean="0"/>
+            <a:endParaRPr lang="en-US" dirty="0"/>
           </a:p>
           <a:p>
             <a:pPr marL="514350" indent="-514350">
@@ -6078,13 +5994,16 @@
               <a:buFont typeface="+mj-lt"/>
               <a:buAutoNum type="arabicPeriod"/>
             </a:pPr>
-            <a:r>
-              <a:rPr lang="en-US" dirty="0" smtClean="0"/>
-              <a:t>Save </a:t>
-            </a:r>
+            <a:endParaRPr lang="en-US" dirty="0"/>
+          </a:p>
+          <a:p>
+            <a:pPr marL="514350" indent="-514350">
+              <a:buFont typeface="+mj-lt"/>
+              <a:buAutoNum type="arabicPeriod"/>
+            </a:pPr>
             <a:r>
               <a:rPr lang="en-US" dirty="0"/>
-              <a:t>the changes and click Sync Project with Gradle Files in the toolbar.</a:t>
+              <a:t>Save the changes and click Sync Project with Gradle Files in the toolbar.</a:t>
             </a:r>
           </a:p>
         </p:txBody>
@@ -6111,7 +6030,7 @@
           <a:graphicData uri="http://schemas.openxmlformats.org/presentationml/2006/ole">
             <mc:AlternateContent xmlns:mc="http://schemas.openxmlformats.org/markup-compatibility/2006">
               <mc:Choice xmlns:v="urn:schemas-microsoft-com:vml" Requires="v">
-                <p:oleObj spid="_x0000_s5138" name="Document" r:id="rId4" imgW="6858000" imgH="2273300" progId="Word.Document.12">
+                <p:oleObj spid="_x0000_s5140" name="Document" r:id="rId4" imgW="6858000" imgH="2273300" progId="Word.Document.12">
                   <p:embed/>
                 </p:oleObj>
               </mc:Choice>
@@ -6156,13 +6075,6 @@
   <p:clrMapOvr>
     <a:masterClrMapping/>
   </p:clrMapOvr>
-  <p:timing>
-    <p:tnLst>
-      <p:par>
-        <p:cTn id="1" dur="indefinite" restart="never" nodeType="tmRoot"/>
-      </p:par>
-    </p:tnLst>
-  </p:timing>
 </p:sld>
 </file>
 
@@ -6202,10 +6114,9 @@
               <a:defRPr/>
             </a:pPr>
             <a:r>
-              <a:rPr lang="en-US" smtClean="0"/>
+              <a:rPr lang="en-US"/>
               <a:t>Murach's Android Programming, C18</a:t>
             </a:r>
-            <a:endParaRPr lang="en-US"/>
           </a:p>
         </p:txBody>
       </p:sp>
@@ -6233,10 +6144,9 @@
               <a:defRPr/>
             </a:pPr>
             <a:r>
-              <a:rPr lang="en-US" dirty="0" smtClean="0"/>
+              <a:rPr lang="en-US" dirty="0"/>
               <a:t>© 2015, Mike Murach &amp; Associates, Inc. – Revised by Brian bird 2016</a:t>
             </a:r>
-            <a:endParaRPr lang="en-US" dirty="0"/>
           </a:p>
         </p:txBody>
       </p:sp>
@@ -6258,14 +6168,14 @@
             <a:pPr>
               <a:defRPr/>
             </a:pPr>
-            <a:endParaRPr lang="en-US" smtClean="0"/>
+            <a:endParaRPr lang="en-US"/>
           </a:p>
           <a:p>
             <a:pPr algn="r">
               <a:defRPr/>
             </a:pPr>
             <a:r>
-              <a:rPr lang="en-US" sz="900" smtClean="0">
+              <a:rPr lang="en-US" sz="900">
                 <a:latin typeface="Arial Narrow" pitchFamily="34" charset="0"/>
               </a:rPr>
               <a:t>Slide </a:t>
@@ -6307,7 +6217,7 @@
           <a:graphicData uri="http://schemas.openxmlformats.org/presentationml/2006/ole">
             <mc:AlternateContent xmlns:mc="http://schemas.openxmlformats.org/markup-compatibility/2006">
               <mc:Choice xmlns:v="urn:schemas-microsoft-com:vml" Requires="v">
-                <p:oleObj spid="_x0000_s3091" name="Document" r:id="rId4" imgW="6959600" imgH="774700" progId="Word.Document.12">
+                <p:oleObj spid="_x0000_s3093" name="Document" r:id="rId4" imgW="6959600" imgH="774700" progId="Word.Document.12">
                   <p:embed/>
                 </p:oleObj>
               </mc:Choice>
@@ -6380,13 +6290,6 @@
   <p:clrMapOvr>
     <a:masterClrMapping/>
   </p:clrMapOvr>
-  <p:timing>
-    <p:tnLst>
-      <p:par>
-        <p:cTn id="1" dur="indefinite" restart="never" nodeType="tmRoot"/>
-      </p:par>
-    </p:tnLst>
-  </p:timing>
 </p:sld>
 </file>
 
@@ -6430,18 +6333,13 @@
           <a:lstStyle/>
           <a:p>
             <a:r>
-              <a:rPr lang="en-US" dirty="0" smtClean="0">
+              <a:rPr lang="en-US" dirty="0">
                 <a:solidFill>
                   <a:srgbClr val="0000FF"/>
                 </a:solidFill>
               </a:rPr>
               <a:t>Accessing Google APIs</a:t>
             </a:r>
-            <a:endParaRPr lang="en-US" dirty="0">
-              <a:solidFill>
-                <a:srgbClr val="0000FF"/>
-              </a:solidFill>
-            </a:endParaRPr>
           </a:p>
         </p:txBody>
       </p:sp>
@@ -6492,12 +6390,8 @@
           <a:lstStyle/>
           <a:p>
             <a:r>
-              <a:rPr lang="en-US" sz="2400" dirty="0" smtClean="0"/>
-              <a:t>The </a:t>
-            </a:r>
-            <a:r>
               <a:rPr lang="en-US" sz="2400" dirty="0"/>
-              <a:t>Google API Client will:</a:t>
+              <a:t>The Google API Client will:</a:t>
             </a:r>
           </a:p>
           <a:p>
@@ -6517,21 +6411,8 @@
             </a:pPr>
             <a:r>
               <a:rPr lang="en-US" sz="2000" dirty="0"/>
-              <a:t>Manage the network connection </a:t>
-            </a:r>
-            <a:r>
-              <a:rPr lang="en-US" sz="2000" dirty="0" smtClean="0"/>
-              <a:t>with each Google Play </a:t>
-            </a:r>
-            <a:r>
-              <a:rPr lang="en-US" sz="2000" dirty="0"/>
-              <a:t>service</a:t>
-            </a:r>
-            <a:r>
-              <a:rPr lang="en-US" sz="2000" dirty="0" smtClean="0"/>
-              <a:t>.</a:t>
-            </a:r>
-            <a:endParaRPr lang="en-US" sz="2000" dirty="0"/>
+              <a:t>Manage the network connection with each Google Play service.</a:t>
+            </a:r>
           </a:p>
         </p:txBody>
       </p:sp>
@@ -6545,13 +6426,6 @@
   <p:clrMapOvr>
     <a:masterClrMapping/>
   </p:clrMapOvr>
-  <p:timing>
-    <p:tnLst>
-      <p:par>
-        <p:cTn id="1" dur="indefinite" restart="never" nodeType="tmRoot"/>
-      </p:par>
-    </p:tnLst>
-  </p:timing>
 </p:sld>
 </file>
 
@@ -6595,18 +6469,13 @@
           <a:lstStyle/>
           <a:p>
             <a:r>
-              <a:rPr lang="en-US" dirty="0" smtClean="0">
+              <a:rPr lang="en-US" dirty="0">
                 <a:solidFill>
                   <a:srgbClr val="0000FF"/>
                 </a:solidFill>
               </a:rPr>
               <a:t>Accessing Google APIs (continued)</a:t>
             </a:r>
-            <a:endParaRPr lang="en-US" dirty="0">
-              <a:solidFill>
-                <a:srgbClr val="0000FF"/>
-              </a:solidFill>
-            </a:endParaRPr>
           </a:p>
         </p:txBody>
       </p:sp>
@@ -6637,16 +6506,8 @@
               <a:buAutoNum type="arabicPeriod"/>
             </a:pPr>
             <a:r>
-              <a:rPr lang="en-US" sz="2800" dirty="0" smtClean="0"/>
-              <a:t>Create </a:t>
-            </a:r>
-            <a:r>
               <a:rPr lang="en-US" sz="2800" dirty="0"/>
-              <a:t>an instance </a:t>
-            </a:r>
-            <a:r>
-              <a:rPr lang="en-US" sz="2800" dirty="0" smtClean="0"/>
-              <a:t>of the </a:t>
+              <a:t>Create an instance of the </a:t>
             </a:r>
             <a:r>
               <a:rPr lang="en-US" sz="2800" dirty="0">
@@ -6658,47 +6519,42 @@
               <a:rPr lang="en-US" sz="2800" dirty="0"/>
               <a:t> </a:t>
             </a:r>
-            <a:endParaRPr lang="en-US" sz="2800" dirty="0" smtClean="0"/>
           </a:p>
           <a:p>
             <a:pPr marL="914400" lvl="1" indent="-514350"/>
             <a:r>
-              <a:rPr lang="en-US" dirty="0" smtClean="0"/>
+              <a:rPr lang="en-US" dirty="0"/>
               <a:t>In your activity’s onCreate() method:</a:t>
             </a:r>
           </a:p>
           <a:p>
             <a:pPr marL="1314450" lvl="2" indent="-514350"/>
             <a:r>
-              <a:rPr lang="en-US" dirty="0" smtClean="0"/>
-              <a:t>use </a:t>
-            </a:r>
-            <a:r>
               <a:rPr lang="en-US" dirty="0"/>
-              <a:t>the </a:t>
-            </a:r>
-            <a:r>
-              <a:rPr lang="en-US" dirty="0" smtClean="0">
+              <a:t>use the </a:t>
+            </a:r>
+            <a:r>
+              <a:rPr lang="en-US" dirty="0">
                 <a:hlinkClick r:id="rId4"/>
               </a:rPr>
               <a:t>GoogleApiClient.Builder</a:t>
             </a:r>
             <a:r>
-              <a:rPr lang="en-US" dirty="0" smtClean="0"/>
+              <a:rPr lang="en-US" dirty="0"/>
               <a:t> to create an instance of the </a:t>
             </a:r>
             <a:r>
-              <a:rPr lang="en-US" dirty="0" err="1" smtClean="0"/>
+              <a:rPr lang="en-US" dirty="0" err="1"/>
               <a:t>GoogleApiClient</a:t>
             </a:r>
             <a:r>
-              <a:rPr lang="en-US" dirty="0" smtClean="0"/>
+              <a:rPr lang="en-US" dirty="0"/>
               <a:t>. Example:</a:t>
             </a:r>
             <a:br>
-              <a:rPr lang="en-US" dirty="0" smtClean="0"/>
+              <a:rPr lang="en-US" dirty="0"/>
             </a:br>
-            <a:endParaRPr lang="en-US" dirty="0" smtClean="0"/>
+            <a:endParaRPr lang="en-US" dirty="0"/>
           </a:p>
           <a:p>
             <a:pPr marL="1314450" lvl="2" indent="-514350"/>
@@ -6706,7 +6562,7 @@
           </a:p>
           <a:p>
             <a:pPr marL="1314450" lvl="2" indent="-514350"/>
-            <a:endParaRPr lang="en-US" sz="2000" dirty="0" smtClean="0"/>
+            <a:endParaRPr lang="en-US" sz="2000" dirty="0"/>
           </a:p>
           <a:p>
             <a:pPr marL="1314450" lvl="2" indent="-514350"/>
@@ -6714,45 +6570,45 @@
           </a:p>
           <a:p>
             <a:pPr marL="1314450" lvl="2" indent="-514350"/>
-            <a:endParaRPr lang="en-US" sz="2000" dirty="0" smtClean="0"/>
+            <a:endParaRPr lang="en-US" sz="2000" dirty="0"/>
           </a:p>
           <a:p>
             <a:pPr marL="1771650" lvl="3" indent="-514350"/>
             <a:r>
-              <a:rPr lang="en-US" dirty="0" err="1" smtClean="0"/>
+              <a:rPr lang="en-US" dirty="0" err="1"/>
               <a:t>addAPI</a:t>
             </a:r>
             <a:r>
-              <a:rPr lang="en-US" dirty="0" smtClean="0"/>
+              <a:rPr lang="en-US" dirty="0"/>
               <a:t> adds specifies which APIs are requested for your app</a:t>
             </a:r>
           </a:p>
           <a:p>
             <a:pPr marL="1771650" lvl="3" indent="-514350"/>
             <a:r>
-              <a:rPr lang="en-US" dirty="0" err="1" smtClean="0"/>
+              <a:rPr lang="en-US" dirty="0" err="1"/>
               <a:t>addScope</a:t>
             </a:r>
             <a:r>
-              <a:rPr lang="en-US" dirty="0" smtClean="0"/>
+              <a:rPr lang="en-US" dirty="0"/>
               <a:t> specifies the </a:t>
             </a:r>
             <a:r>
-              <a:rPr lang="en-US" dirty="0" err="1" smtClean="0"/>
+              <a:rPr lang="en-US" dirty="0" err="1"/>
               <a:t>OAuth</a:t>
             </a:r>
             <a:r>
-              <a:rPr lang="en-US" dirty="0" smtClean="0"/>
+              <a:rPr lang="en-US" dirty="0"/>
               <a:t> 2.0 </a:t>
             </a:r>
             <a:r>
-              <a:rPr lang="en-US" dirty="0" smtClean="0">
+              <a:rPr lang="en-US" dirty="0">
                 <a:hlinkClick r:id="rId5"/>
               </a:rPr>
               <a:t>scope </a:t>
             </a:r>
             <a:r>
-              <a:rPr lang="en-US" dirty="0" smtClean="0"/>
+              <a:rPr lang="en-US" dirty="0"/>
               <a:t>requested for your app</a:t>
             </a:r>
           </a:p>
@@ -6787,7 +6643,7 @@
           <a:graphicData uri="http://schemas.openxmlformats.org/presentationml/2006/ole">
             <mc:AlternateContent xmlns:mc="http://schemas.openxmlformats.org/markup-compatibility/2006">
               <mc:Choice xmlns:v="urn:schemas-microsoft-com:vml" Requires="v">
-                <p:oleObj spid="_x0000_s6162" name="Document" r:id="rId6" imgW="8001000" imgH="1879600" progId="Word.Document.12">
+                <p:oleObj spid="_x0000_s6164" name="Document" r:id="rId6" imgW="8001000" imgH="1879600" progId="Word.Document.12">
                   <p:embed/>
                 </p:oleObj>
               </mc:Choice>
@@ -6832,13 +6688,6 @@
   <p:clrMapOvr>
     <a:masterClrMapping/>
   </p:clrMapOvr>
-  <p:timing>
-    <p:tnLst>
-      <p:par>
-        <p:cTn id="1" dur="indefinite" restart="never" nodeType="tmRoot"/>
-      </p:par>
-    </p:tnLst>
-  </p:timing>
 </p:sld>
 </file>
 
@@ -6882,18 +6731,13 @@
           <a:lstStyle/>
           <a:p>
             <a:r>
-              <a:rPr lang="en-US" dirty="0" smtClean="0">
+              <a:rPr lang="en-US" dirty="0">
                 <a:solidFill>
                   <a:srgbClr val="0000FF"/>
                 </a:solidFill>
               </a:rPr>
               <a:t>Accessing Google APIs (continued)</a:t>
             </a:r>
-            <a:endParaRPr lang="en-US" dirty="0">
-              <a:solidFill>
-                <a:srgbClr val="0000FF"/>
-              </a:solidFill>
-            </a:endParaRPr>
           </a:p>
         </p:txBody>
       </p:sp>
@@ -6924,22 +6768,22 @@
               <a:buAutoNum type="arabicPeriod" startAt="2"/>
             </a:pPr>
             <a:r>
-              <a:rPr lang="en-US" sz="2400" dirty="0" smtClean="0"/>
+              <a:rPr lang="en-US" sz="2400" dirty="0"/>
               <a:t>Implement the </a:t>
             </a:r>
             <a:r>
-              <a:rPr lang="en-US" sz="2400" i="1" dirty="0" err="1" smtClean="0"/>
+              <a:rPr lang="en-US" sz="2400" i="1" dirty="0" err="1"/>
               <a:t>OnConnectionFailedListener</a:t>
             </a:r>
             <a:r>
-              <a:rPr lang="en-US" sz="2400" dirty="0" smtClean="0"/>
+              <a:rPr lang="en-US" sz="2400" dirty="0"/>
               <a:t> interface</a:t>
             </a:r>
             <a:br>
-              <a:rPr lang="en-US" sz="2400" dirty="0" smtClean="0"/>
+              <a:rPr lang="en-US" sz="2400" dirty="0"/>
             </a:br>
             <a:r>
-              <a:rPr lang="en-US" sz="2400" dirty="0" smtClean="0"/>
+              <a:rPr lang="en-US" sz="2400" dirty="0"/>
               <a:t>Example:</a:t>
             </a:r>
           </a:p>
@@ -6967,7 +6811,7 @@
           <a:graphicData uri="http://schemas.openxmlformats.org/presentationml/2006/ole">
             <mc:AlternateContent xmlns:mc="http://schemas.openxmlformats.org/markup-compatibility/2006">
               <mc:Choice xmlns:v="urn:schemas-microsoft-com:vml" Requires="v">
-                <p:oleObj spid="_x0000_s7185" name="Document" r:id="rId4" imgW="8407400" imgH="4749800" progId="Word.Document.12">
+                <p:oleObj spid="_x0000_s7187" name="Document" r:id="rId4" imgW="8407400" imgH="4749800" progId="Word.Document.12">
                   <p:embed/>
                 </p:oleObj>
               </mc:Choice>
@@ -7012,13 +6856,6 @@
   <p:clrMapOvr>
     <a:masterClrMapping/>
   </p:clrMapOvr>
-  <p:timing>
-    <p:tnLst>
-      <p:par>
-        <p:cTn id="1" dur="indefinite" restart="never" nodeType="tmRoot"/>
-      </p:par>
-    </p:tnLst>
-  </p:timing>
 </p:sld>
 </file>
 
@@ -7062,18 +6899,13 @@
           <a:lstStyle/>
           <a:p>
             <a:r>
-              <a:rPr lang="en-US" dirty="0" smtClean="0">
+              <a:rPr lang="en-US" dirty="0">
                 <a:solidFill>
                   <a:srgbClr val="0000FF"/>
                 </a:solidFill>
               </a:rPr>
               <a:t>Accessing Google APIs (continued)</a:t>
             </a:r>
-            <a:endParaRPr lang="en-US" dirty="0">
-              <a:solidFill>
-                <a:srgbClr val="0000FF"/>
-              </a:solidFill>
-            </a:endParaRPr>
           </a:p>
         </p:txBody>
       </p:sp>
@@ -7104,11 +6936,11 @@
               <a:buAutoNum type="arabicPeriod" startAt="3"/>
             </a:pPr>
             <a:r>
-              <a:rPr lang="en-US" sz="2800" dirty="0" smtClean="0"/>
+              <a:rPr lang="en-US" sz="2800" dirty="0"/>
               <a:t>Implement additional </a:t>
             </a:r>
             <a:r>
-              <a:rPr lang="en-US" sz="2800" dirty="0" smtClean="0">
+              <a:rPr lang="en-US" sz="2800" dirty="0">
                 <a:hlinkClick r:id="rId3"/>
               </a:rPr>
               <a:t>ConnectionCallbacks</a:t>
@@ -7118,11 +6950,11 @@
           <a:p>
             <a:pPr marL="914400" lvl="1" indent="-514350"/>
             <a:r>
-              <a:rPr lang="en-US" sz="2400" i="1" dirty="0" smtClean="0"/>
+              <a:rPr lang="en-US" sz="2400" i="1" dirty="0"/>
               <a:t>abstract void </a:t>
             </a:r>
             <a:r>
-              <a:rPr lang="en-US" sz="2400" i="1" dirty="0" err="1" smtClean="0"/>
+              <a:rPr lang="en-US" sz="2400" i="1" dirty="0" err="1"/>
               <a:t>onConnected</a:t>
             </a:r>
             <a:r>
@@ -7134,37 +6966,25 @@
               <a:t>connectionHint</a:t>
             </a:r>
             <a:r>
-              <a:rPr lang="en-US" sz="2400" i="1" dirty="0" smtClean="0"/>
+              <a:rPr lang="en-US" sz="2400" i="1" dirty="0"/>
               <a:t>)</a:t>
             </a:r>
           </a:p>
           <a:p>
             <a:pPr marL="1314450" lvl="2" indent="-514350"/>
             <a:r>
-              <a:rPr lang="en-US" sz="1800" dirty="0" smtClean="0"/>
-              <a:t>After </a:t>
-            </a:r>
-            <a:r>
               <a:rPr lang="en-US" sz="1800" dirty="0"/>
-              <a:t>calling connect(), this method will be invoked asynchronously when the connect request has successfully completed</a:t>
-            </a:r>
-            <a:r>
-              <a:rPr lang="en-US" sz="1800" dirty="0" smtClean="0"/>
-              <a:t>.</a:t>
+              <a:t>After calling connect(), this method will be invoked asynchronously when the connect request has successfully completed.</a:t>
             </a:r>
           </a:p>
           <a:p>
             <a:pPr marL="914400" lvl="1" indent="-514350"/>
             <a:r>
               <a:rPr lang="en-US" sz="2400" i="1" dirty="0"/>
-              <a:t>abstract void	</a:t>
-            </a:r>
-            <a:r>
-              <a:rPr lang="en-US" sz="2400" i="1" dirty="0" smtClean="0"/>
-              <a:t> </a:t>
-            </a:r>
-            <a:r>
-              <a:rPr lang="en-US" sz="2400" i="1" dirty="0" err="1" smtClean="0"/>
+              <a:t>abstract void	 </a:t>
+            </a:r>
+            <a:r>
+              <a:rPr lang="en-US" sz="2400" i="1" dirty="0" err="1"/>
               <a:t>onConnectionSuspended</a:t>
             </a:r>
             <a:r>
@@ -7176,52 +6996,39 @@
             <a:pPr marL="1314450" lvl="2" indent="-514350"/>
             <a:r>
               <a:rPr lang="en-US" sz="1800" dirty="0"/>
-              <a:t>Called when the client is temporarily in a disconnected state</a:t>
-            </a:r>
-            <a:r>
-              <a:rPr lang="en-US" sz="1800" dirty="0" smtClean="0"/>
-              <a:t>.</a:t>
-            </a:r>
-            <a:endParaRPr lang="en-US" sz="1800" dirty="0"/>
+              <a:t>Called when the client is temporarily in a disconnected state.</a:t>
+            </a:r>
           </a:p>
           <a:p>
             <a:pPr marL="1314450" lvl="2" indent="-514350"/>
-            <a:endParaRPr lang="en-US" sz="2000" dirty="0" smtClean="0"/>
+            <a:endParaRPr lang="en-US" sz="2000" dirty="0"/>
           </a:p>
           <a:p>
             <a:pPr marL="0" indent="0">
               <a:buNone/>
             </a:pPr>
             <a:r>
-              <a:rPr lang="en-US" sz="2400" dirty="0" smtClean="0"/>
+              <a:rPr lang="en-US" sz="2400" dirty="0"/>
               <a:t>Notes:</a:t>
             </a:r>
           </a:p>
           <a:p>
             <a:r>
-              <a:rPr lang="en-US" sz="2400" dirty="0" smtClean="0"/>
+              <a:rPr lang="en-US" sz="2400" dirty="0"/>
               <a:t>Implementation of these callbacks is optional</a:t>
             </a:r>
           </a:p>
           <a:p>
             <a:r>
-              <a:rPr lang="en-US" sz="2400" dirty="0" smtClean="0"/>
-              <a:t>Use these if </a:t>
-            </a:r>
-            <a:r>
               <a:rPr lang="en-US" sz="2400" dirty="0"/>
-              <a:t>your app needs to know when the automatically managed connection is established or suspended. </a:t>
+              <a:t>Use these if your app needs to know when the automatically managed connection is established or suspended. </a:t>
             </a:r>
           </a:p>
           <a:p>
             <a:pPr lvl="1"/>
             <a:r>
-              <a:rPr lang="en-US" sz="2000" dirty="0" smtClean="0"/>
-              <a:t>For example, </a:t>
-            </a:r>
-            <a:r>
               <a:rPr lang="en-US" sz="2000" dirty="0"/>
-              <a:t>if your app makes calls to write data to Google APIs, these should be invoked only after the </a:t>
+              <a:t>For example, if your app makes calls to write data to Google APIs, these should be invoked only after the </a:t>
             </a:r>
             <a:r>
               <a:rPr lang="en-US" sz="2000" i="1" dirty="0" err="1"/>
@@ -7235,7 +7042,6 @@
               <a:rPr lang="en-US" sz="2000" dirty="0"/>
               <a:t> method has been called.</a:t>
             </a:r>
-            <a:endParaRPr lang="en-US" sz="2000" dirty="0" smtClean="0"/>
           </a:p>
         </p:txBody>
       </p:sp>
@@ -7249,13 +7055,6 @@
   <p:clrMapOvr>
     <a:masterClrMapping/>
   </p:clrMapOvr>
-  <p:timing>
-    <p:tnLst>
-      <p:par>
-        <p:cTn id="1" dur="indefinite" restart="never" nodeType="tmRoot"/>
-      </p:par>
-    </p:tnLst>
-  </p:timing>
 </p:sld>
 </file>
 
@@ -7295,10 +7094,9 @@
               <a:defRPr/>
             </a:pPr>
             <a:r>
-              <a:rPr lang="en-US" smtClean="0"/>
+              <a:rPr lang="en-US"/>
               <a:t>Murach's Android Programming, C18</a:t>
             </a:r>
-            <a:endParaRPr lang="en-US"/>
           </a:p>
         </p:txBody>
       </p:sp>
@@ -7321,10 +7119,9 @@
               <a:defRPr/>
             </a:pPr>
             <a:r>
-              <a:rPr lang="en-US" dirty="0" smtClean="0"/>
+              <a:rPr lang="en-US" dirty="0"/>
               <a:t>© 2015, Mike Murach &amp; Associates, Inc.</a:t>
             </a:r>
-            <a:endParaRPr lang="en-US" dirty="0"/>
           </a:p>
         </p:txBody>
       </p:sp>
@@ -7346,14 +7143,14 @@
             <a:pPr>
               <a:defRPr/>
             </a:pPr>
-            <a:endParaRPr lang="en-US" smtClean="0"/>
+            <a:endParaRPr lang="en-US"/>
           </a:p>
           <a:p>
             <a:pPr algn="r">
               <a:defRPr/>
             </a:pPr>
             <a:r>
-              <a:rPr lang="en-US" sz="900" smtClean="0">
+              <a:rPr lang="en-US" sz="900">
                 <a:latin typeface="Arial Narrow" pitchFamily="34" charset="0"/>
               </a:rPr>
               <a:t>Slide </a:t>
@@ -7395,7 +7192,7 @@
           <a:graphicData uri="http://schemas.openxmlformats.org/presentationml/2006/ole">
             <mc:AlternateContent xmlns:mc="http://schemas.openxmlformats.org/markup-compatibility/2006">
               <mc:Choice xmlns:v="urn:schemas-microsoft-com:vml" Requires="v">
-                <p:oleObj spid="_x0000_s4114" name="Document" r:id="rId3" imgW="7089176" imgH="5349981" progId="Word.Document.12">
+                <p:oleObj spid="_x0000_s4116" name="Document" r:id="rId3" imgW="7089176" imgH="5349981" progId="Word.Document.12">
                   <p:embed/>
                 </p:oleObj>
               </mc:Choice>
@@ -7440,13 +7237,6 @@
   <p:clrMapOvr>
     <a:masterClrMapping/>
   </p:clrMapOvr>
-  <p:timing>
-    <p:tnLst>
-      <p:par>
-        <p:cTn id="1" dur="indefinite" restart="never" nodeType="tmRoot"/>
-      </p:par>
-    </p:tnLst>
-  </p:timing>
 </p:sld>
 </file>
 
@@ -7504,18 +7294,13 @@
           <a:lstStyle/>
           <a:p>
             <a:r>
-              <a:rPr lang="en-US" b="1" dirty="0" smtClean="0">
+              <a:rPr lang="en-US" b="1" dirty="0">
                 <a:solidFill>
                   <a:srgbClr val="0000FF"/>
                 </a:solidFill>
               </a:rPr>
               <a:t>Fused Location Provider</a:t>
             </a:r>
-            <a:endParaRPr lang="en-US" b="1" dirty="0">
-              <a:solidFill>
-                <a:srgbClr val="0000FF"/>
-              </a:solidFill>
-            </a:endParaRPr>
           </a:p>
         </p:txBody>
       </p:sp>
@@ -7548,13 +7333,6 @@
   <p:clrMapOvr>
     <a:masterClrMapping/>
   </p:clrMapOvr>
-  <p:timing>
-    <p:tnLst>
-      <p:par>
-        <p:cTn id="1" dur="indefinite" restart="never" nodeType="tmRoot"/>
-      </p:par>
-    </p:tnLst>
-  </p:timing>
 </p:sld>
 </file>
 
@@ -7596,18 +7374,13 @@
           <a:lstStyle/>
           <a:p>
             <a:r>
-              <a:rPr lang="en-US" dirty="0" smtClean="0">
+              <a:rPr lang="en-US" dirty="0">
                 <a:solidFill>
                   <a:srgbClr val="0000FF"/>
                 </a:solidFill>
               </a:rPr>
               <a:t>Fused Location Provider</a:t>
             </a:r>
-            <a:endParaRPr lang="en-US" dirty="0">
-              <a:solidFill>
-                <a:srgbClr val="0000FF"/>
-              </a:solidFill>
-            </a:endParaRPr>
           </a:p>
         </p:txBody>
       </p:sp>
@@ -7634,43 +7407,41 @@
           <a:lstStyle/>
           <a:p>
             <a:r>
-              <a:rPr lang="en-US" sz="2800" dirty="0" smtClean="0"/>
+              <a:rPr lang="en-US" sz="2800" dirty="0"/>
               <a:t>Balanced power/accuracy</a:t>
             </a:r>
           </a:p>
           <a:p>
             <a:pPr lvl="1"/>
             <a:r>
-              <a:rPr lang="en-US" sz="2400" dirty="0" smtClean="0"/>
+              <a:rPr lang="en-US" sz="2400" dirty="0"/>
               <a:t> ~100 m accuracy</a:t>
             </a:r>
-            <a:endParaRPr lang="en-US" sz="2400" dirty="0"/>
           </a:p>
           <a:p>
             <a:pPr lvl="1"/>
             <a:r>
-              <a:rPr lang="en-US" sz="2400" dirty="0" smtClean="0"/>
+              <a:rPr lang="en-US" sz="2400" dirty="0"/>
               <a:t>medium power draw</a:t>
             </a:r>
           </a:p>
           <a:p>
             <a:r>
-              <a:rPr lang="en-US" sz="2800" dirty="0" smtClean="0"/>
+              <a:rPr lang="en-US" sz="2800" dirty="0"/>
               <a:t>High accuracy</a:t>
             </a:r>
-            <a:endParaRPr lang="en-US" sz="2800" dirty="0"/>
           </a:p>
           <a:p>
             <a:pPr lvl="1"/>
             <a:r>
-              <a:rPr lang="en-US" sz="2400" dirty="0" smtClean="0"/>
+              <a:rPr lang="en-US" sz="2400" dirty="0"/>
               <a:t>~5 meter accuracy</a:t>
             </a:r>
           </a:p>
           <a:p>
             <a:pPr lvl="1"/>
             <a:r>
-              <a:rPr lang="en-US" sz="2400" dirty="0" smtClean="0"/>
+              <a:rPr lang="en-US" sz="2400" dirty="0"/>
               <a:t>highest power draw</a:t>
             </a:r>
           </a:p>
@@ -7857,34 +7628,34 @@
           </a:lstStyle>
           <a:p>
             <a:r>
-              <a:rPr lang="en-US" sz="3000" dirty="0" smtClean="0"/>
+              <a:rPr lang="en-US" sz="3000" dirty="0"/>
               <a:t>Low power</a:t>
             </a:r>
           </a:p>
           <a:p>
             <a:pPr lvl="1"/>
             <a:r>
-              <a:rPr lang="en-US" sz="2600" dirty="0" smtClean="0"/>
+              <a:rPr lang="en-US" sz="2600" dirty="0"/>
               <a:t>~10km accuracy</a:t>
             </a:r>
           </a:p>
           <a:p>
             <a:pPr lvl="1"/>
             <a:r>
-              <a:rPr lang="en-US" sz="2600" dirty="0" smtClean="0"/>
+              <a:rPr lang="en-US" sz="2600" dirty="0"/>
               <a:t>minimum power draw</a:t>
             </a:r>
           </a:p>
           <a:p>
             <a:r>
-              <a:rPr lang="en-US" sz="3000" dirty="0" smtClean="0"/>
+              <a:rPr lang="en-US" sz="3000" dirty="0"/>
               <a:t>No power</a:t>
             </a:r>
           </a:p>
           <a:p>
             <a:pPr lvl="1"/>
             <a:r>
-              <a:rPr lang="en-US" sz="2600" dirty="0" smtClean="0"/>
+              <a:rPr lang="en-US" sz="2600" dirty="0"/>
               <a:t>uses location data requested by other apps</a:t>
             </a:r>
           </a:p>
@@ -7921,13 +7692,8 @@
           <a:p>
             <a:r>
               <a:rPr lang="en-US" sz="2800" dirty="0"/>
-              <a:t>L</a:t>
-            </a:r>
-            <a:r>
-              <a:rPr lang="en-US" sz="2800" dirty="0" smtClean="0"/>
-              <a:t>ocation sources are selected based on priorities:</a:t>
-            </a:r>
-            <a:endParaRPr lang="en-US" sz="2800" dirty="0"/>
+              <a:t>Location sources are selected based on priorities:</a:t>
+            </a:r>
           </a:p>
         </p:txBody>
       </p:sp>
@@ -7941,13 +7707,6 @@
   <p:clrMapOvr>
     <a:masterClrMapping/>
   </p:clrMapOvr>
-  <p:timing>
-    <p:tnLst>
-      <p:par>
-        <p:cTn id="1" dur="indefinite" restart="never" nodeType="tmRoot"/>
-      </p:par>
-    </p:tnLst>
-  </p:timing>
 </p:sld>
 </file>
 
@@ -7989,18 +7748,13 @@
           <a:lstStyle/>
           <a:p>
             <a:r>
-              <a:rPr lang="en-US" dirty="0" smtClean="0">
+              <a:rPr lang="en-US" dirty="0">
                 <a:solidFill>
                   <a:srgbClr val="2D2DB9"/>
                 </a:solidFill>
               </a:rPr>
               <a:t>Course Overview</a:t>
             </a:r>
-            <a:endParaRPr lang="en-US" dirty="0">
-              <a:solidFill>
-                <a:srgbClr val="2D2DB9"/>
-              </a:solidFill>
-            </a:endParaRPr>
           </a:p>
         </p:txBody>
       </p:sp>
@@ -8030,8 +7784,20 @@
                 <a:tableStyleId>{5C22544A-7EE6-4342-B048-85BDC9FD1C3A}</a:tableStyleId>
               </a:tblPr>
               <a:tblGrid>
-                <a:gridCol w="511701"/>
-                <a:gridCol w="3299499"/>
+                <a:gridCol w="511701">
+                  <a:extLst>
+                    <a:ext uri="{9D8B030D-6E8A-4147-A177-3AD203B41FA5}">
+                      <a16:colId xmlns:a16="http://schemas.microsoft.com/office/drawing/2014/main" val="20000"/>
+                    </a:ext>
+                  </a:extLst>
+                </a:gridCol>
+                <a:gridCol w="3299499">
+                  <a:extLst>
+                    <a:ext uri="{9D8B030D-6E8A-4147-A177-3AD203B41FA5}">
+                      <a16:colId xmlns:a16="http://schemas.microsoft.com/office/drawing/2014/main" val="20001"/>
+                    </a:ext>
+                  </a:extLst>
+                </a:gridCol>
               </a:tblGrid>
               <a:tr h="428284">
                 <a:tc>
@@ -8040,10 +7806,9 @@
                     <a:lstStyle/>
                     <a:p>
                       <a:r>
-                        <a:rPr lang="en-US" dirty="0" smtClean="0"/>
+                        <a:rPr lang="en-US" dirty="0"/>
                         <a:t>Wk</a:t>
                       </a:r>
-                      <a:endParaRPr lang="en-US" dirty="0"/>
                     </a:p>
                   </a:txBody>
                   <a:tcPr/>
@@ -8054,14 +7819,18 @@
                     <a:lstStyle/>
                     <a:p>
                       <a:r>
-                        <a:rPr lang="en-US" dirty="0" smtClean="0"/>
+                        <a:rPr lang="en-US" dirty="0"/>
                         <a:t>Topic</a:t>
                       </a:r>
-                      <a:endParaRPr lang="en-US" dirty="0"/>
                     </a:p>
                   </a:txBody>
                   <a:tcPr/>
                 </a:tc>
+                <a:extLst>
+                  <a:ext uri="{0D108BD9-81ED-4DB2-BD59-A6C34878D82A}">
+                    <a16:rowId xmlns:a16="http://schemas.microsoft.com/office/drawing/2014/main" val="10000"/>
+                  </a:ext>
+                </a:extLst>
               </a:tr>
               <a:tr h="428284">
                 <a:tc>
@@ -8070,10 +7839,9 @@
                     <a:lstStyle/>
                     <a:p>
                       <a:r>
-                        <a:rPr lang="en-US" sz="2800" dirty="0" smtClean="0"/>
+                        <a:rPr lang="en-US" sz="2800" dirty="0"/>
                         <a:t>1</a:t>
                       </a:r>
-                      <a:endParaRPr lang="en-US" sz="2800" dirty="0"/>
                     </a:p>
                   </a:txBody>
                   <a:tcPr>
@@ -8108,22 +7876,22 @@
                         <a:defRPr/>
                       </a:pPr>
                       <a:r>
-                        <a:rPr lang="en-US" sz="2800" dirty="0" smtClean="0"/>
+                        <a:rPr lang="en-US" sz="2800" dirty="0"/>
                         <a:t>Intro</a:t>
                       </a:r>
                       <a:r>
-                        <a:rPr lang="en-US" sz="2800" baseline="0" dirty="0" smtClean="0"/>
+                        <a:rPr lang="en-US" sz="2800" baseline="0" dirty="0"/>
                         <a:t>,</a:t>
                       </a:r>
                       <a:r>
-                        <a:rPr lang="en-US" sz="2800" dirty="0" smtClean="0"/>
+                        <a:rPr lang="en-US" sz="2800" dirty="0"/>
                         <a:t> </a:t>
                       </a:r>
                       <a:br>
-                        <a:rPr lang="en-US" sz="2800" dirty="0" smtClean="0"/>
+                        <a:rPr lang="en-US" sz="2800" dirty="0"/>
                       </a:br>
                       <a:r>
-                        <a:rPr lang="en-US" sz="2800" dirty="0" smtClean="0"/>
+                        <a:rPr lang="en-US" sz="2800" dirty="0"/>
                         <a:t>single-screen apps</a:t>
                       </a:r>
                     </a:p>
@@ -8137,6 +7905,11 @@
                     </a:solidFill>
                   </a:tcPr>
                 </a:tc>
+                <a:extLst>
+                  <a:ext uri="{0D108BD9-81ED-4DB2-BD59-A6C34878D82A}">
+                    <a16:rowId xmlns:a16="http://schemas.microsoft.com/office/drawing/2014/main" val="10001"/>
+                  </a:ext>
+                </a:extLst>
               </a:tr>
               <a:tr h="428284">
                 <a:tc>
@@ -8145,10 +7918,9 @@
                     <a:lstStyle/>
                     <a:p>
                       <a:r>
-                        <a:rPr lang="en-US" sz="2800" dirty="0" smtClean="0"/>
+                        <a:rPr lang="en-US" sz="2800" dirty="0"/>
                         <a:t>1</a:t>
                       </a:r>
-                      <a:endParaRPr lang="en-US" sz="2800" dirty="0"/>
                     </a:p>
                   </a:txBody>
                   <a:tcPr/>
@@ -8176,18 +7948,23 @@
                         <a:defRPr/>
                       </a:pPr>
                       <a:r>
-                        <a:rPr lang="en-US" sz="2800" dirty="0" smtClean="0"/>
+                        <a:rPr lang="en-US" sz="2800" dirty="0"/>
                         <a:t>Activity Lifecycle, saving</a:t>
                       </a:r>
                       <a:r>
-                        <a:rPr lang="en-US" sz="2800" baseline="0" dirty="0" smtClean="0"/>
+                        <a:rPr lang="en-US" sz="2800" baseline="0" dirty="0"/>
                         <a:t> activity state</a:t>
                       </a:r>
-                      <a:endParaRPr lang="en-US" sz="2800" dirty="0" smtClean="0"/>
+                      <a:endParaRPr lang="en-US" sz="2800" dirty="0"/>
                     </a:p>
                   </a:txBody>
                   <a:tcPr/>
                 </a:tc>
+                <a:extLst>
+                  <a:ext uri="{0D108BD9-81ED-4DB2-BD59-A6C34878D82A}">
+                    <a16:rowId xmlns:a16="http://schemas.microsoft.com/office/drawing/2014/main" val="10002"/>
+                  </a:ext>
+                </a:extLst>
               </a:tr>
               <a:tr h="428284">
                 <a:tc>
@@ -8196,10 +7973,9 @@
                     <a:lstStyle/>
                     <a:p>
                       <a:r>
-                        <a:rPr lang="en-US" sz="2800" dirty="0" smtClean="0"/>
+                        <a:rPr lang="en-US" sz="2800" dirty="0"/>
                         <a:t>2</a:t>
                       </a:r>
-                      <a:endParaRPr lang="en-US" sz="2800" dirty="0"/>
                     </a:p>
                   </a:txBody>
                   <a:tcPr>
@@ -8234,11 +8010,11 @@
                         <a:defRPr/>
                       </a:pPr>
                       <a:r>
-                        <a:rPr lang="en-US" sz="2800" dirty="0" smtClean="0"/>
+                        <a:rPr lang="en-US" sz="2800" dirty="0"/>
                         <a:t>Layouts</a:t>
                       </a:r>
                       <a:r>
-                        <a:rPr lang="en-US" sz="2800" baseline="0" dirty="0" smtClean="0"/>
+                        <a:rPr lang="en-US" sz="2800" baseline="0" dirty="0"/>
                         <a:t> + widgets,</a:t>
                       </a:r>
                     </a:p>
@@ -8261,10 +8037,10 @@
                         <a:defRPr/>
                       </a:pPr>
                       <a:r>
-                        <a:rPr lang="en-US" sz="2800" baseline="0" dirty="0" smtClean="0"/>
+                        <a:rPr lang="en-US" sz="2800" baseline="0" dirty="0"/>
                         <a:t>Event Handlers</a:t>
                       </a:r>
-                      <a:endParaRPr lang="en-US" sz="2800" dirty="0" smtClean="0"/>
+                      <a:endParaRPr lang="en-US" sz="2800" dirty="0"/>
                     </a:p>
                   </a:txBody>
                   <a:tcPr>
@@ -8276,6 +8052,11 @@
                     </a:solidFill>
                   </a:tcPr>
                 </a:tc>
+                <a:extLst>
+                  <a:ext uri="{0D108BD9-81ED-4DB2-BD59-A6C34878D82A}">
+                    <a16:rowId xmlns:a16="http://schemas.microsoft.com/office/drawing/2014/main" val="10003"/>
+                  </a:ext>
+                </a:extLst>
               </a:tr>
               <a:tr h="428284">
                 <a:tc>
@@ -8284,10 +8065,9 @@
                     <a:lstStyle/>
                     <a:p>
                       <a:r>
-                        <a:rPr lang="en-US" sz="2800" dirty="0" smtClean="0"/>
+                        <a:rPr lang="en-US" sz="2800" dirty="0"/>
                         <a:t>2</a:t>
                       </a:r>
-                      <a:endParaRPr lang="en-US" sz="2800" dirty="0"/>
                     </a:p>
                   </a:txBody>
                   <a:tcPr>
@@ -8321,7 +8101,7 @@
                         <a:defRPr/>
                       </a:pPr>
                       <a:r>
-                        <a:rPr lang="en-US" sz="2800" u="none" baseline="0" dirty="0" smtClean="0"/>
+                        <a:rPr lang="en-US" sz="2800" u="none" baseline="0" dirty="0"/>
                         <a:t>Themes + styles,</a:t>
                       </a:r>
                     </a:p>
@@ -8344,10 +8124,10 @@
                         <a:defRPr/>
                       </a:pPr>
                       <a:r>
-                        <a:rPr lang="en-US" sz="2800" u="none" baseline="0" dirty="0" smtClean="0"/>
+                        <a:rPr lang="en-US" sz="2800" u="none" baseline="0" dirty="0"/>
                         <a:t>Menu + settings</a:t>
                       </a:r>
-                      <a:endParaRPr lang="en-US" sz="2800" u="none" dirty="0" smtClean="0"/>
+                      <a:endParaRPr lang="en-US" sz="2800" u="none" dirty="0"/>
                     </a:p>
                   </a:txBody>
                   <a:tcPr>
@@ -8358,6 +8138,11 @@
                     </a:solidFill>
                   </a:tcPr>
                 </a:tc>
+                <a:extLst>
+                  <a:ext uri="{0D108BD9-81ED-4DB2-BD59-A6C34878D82A}">
+                    <a16:rowId xmlns:a16="http://schemas.microsoft.com/office/drawing/2014/main" val="10004"/>
+                  </a:ext>
+                </a:extLst>
               </a:tr>
               <a:tr h="428284">
                 <a:tc>
@@ -8366,10 +8151,9 @@
                     <a:lstStyle/>
                     <a:p>
                       <a:r>
-                        <a:rPr lang="en-US" sz="2800" dirty="0" smtClean="0"/>
+                        <a:rPr lang="en-US" sz="2800" dirty="0"/>
                         <a:t>2</a:t>
                       </a:r>
-                      <a:endParaRPr lang="en-US" sz="2800" dirty="0"/>
                     </a:p>
                   </a:txBody>
                   <a:tcPr>
@@ -8404,18 +8188,14 @@
                         <a:defRPr/>
                       </a:pPr>
                       <a:r>
-                        <a:rPr lang="en-US" sz="2800" dirty="0" smtClean="0"/>
+                        <a:rPr lang="en-US" sz="2800" dirty="0"/>
                         <a:t>Multi-screen</a:t>
                       </a:r>
                       <a:r>
-                        <a:rPr lang="en-US" sz="2800" baseline="0" dirty="0" smtClean="0"/>
-                        <a:t> </a:t>
+                        <a:rPr lang="en-US" sz="2800" baseline="0" dirty="0"/>
+                        <a:t> apps</a:t>
                       </a:r>
-                      <a:r>
-                        <a:rPr lang="en-US" sz="2800" baseline="0" dirty="0" smtClean="0"/>
-                        <a:t>apps</a:t>
-                      </a:r>
-                      <a:endParaRPr lang="en-US" sz="2800" u="none" dirty="0" smtClean="0">
+                      <a:endParaRPr lang="en-US" sz="2800" u="none" dirty="0">
                         <a:solidFill>
                           <a:schemeClr val="tx1"/>
                         </a:solidFill>
@@ -8431,6 +8211,11 @@
                     </a:solidFill>
                   </a:tcPr>
                 </a:tc>
+                <a:extLst>
+                  <a:ext uri="{0D108BD9-81ED-4DB2-BD59-A6C34878D82A}">
+                    <a16:rowId xmlns:a16="http://schemas.microsoft.com/office/drawing/2014/main" val="10005"/>
+                  </a:ext>
+                </a:extLst>
               </a:tr>
             </a:tbl>
           </a:graphicData>
@@ -8462,8 +8247,20 @@
                 <a:tableStyleId>{5C22544A-7EE6-4342-B048-85BDC9FD1C3A}</a:tableStyleId>
               </a:tblPr>
               <a:tblGrid>
-                <a:gridCol w="589196"/>
-                <a:gridCol w="3685178"/>
+                <a:gridCol w="589196">
+                  <a:extLst>
+                    <a:ext uri="{9D8B030D-6E8A-4147-A177-3AD203B41FA5}">
+                      <a16:colId xmlns:a16="http://schemas.microsoft.com/office/drawing/2014/main" val="20000"/>
+                    </a:ext>
+                  </a:extLst>
+                </a:gridCol>
+                <a:gridCol w="3685178">
+                  <a:extLst>
+                    <a:ext uri="{9D8B030D-6E8A-4147-A177-3AD203B41FA5}">
+                      <a16:colId xmlns:a16="http://schemas.microsoft.com/office/drawing/2014/main" val="20001"/>
+                    </a:ext>
+                  </a:extLst>
+                </a:gridCol>
               </a:tblGrid>
               <a:tr h="392915">
                 <a:tc>
@@ -8472,10 +8269,9 @@
                     <a:lstStyle/>
                     <a:p>
                       <a:r>
-                        <a:rPr lang="en-US" dirty="0" smtClean="0"/>
+                        <a:rPr lang="en-US" dirty="0"/>
                         <a:t>Wk</a:t>
                       </a:r>
-                      <a:endParaRPr lang="en-US" dirty="0"/>
                     </a:p>
                   </a:txBody>
                   <a:tcPr/>
@@ -8486,14 +8282,18 @@
                     <a:lstStyle/>
                     <a:p>
                       <a:r>
-                        <a:rPr lang="en-US" dirty="0" smtClean="0"/>
+                        <a:rPr lang="en-US" dirty="0"/>
                         <a:t>Topic</a:t>
                       </a:r>
-                      <a:endParaRPr lang="en-US" dirty="0"/>
                     </a:p>
                   </a:txBody>
                   <a:tcPr/>
                 </a:tc>
+                <a:extLst>
+                  <a:ext uri="{0D108BD9-81ED-4DB2-BD59-A6C34878D82A}">
+                    <a16:rowId xmlns:a16="http://schemas.microsoft.com/office/drawing/2014/main" val="10000"/>
+                  </a:ext>
+                </a:extLst>
               </a:tr>
               <a:tr h="683787">
                 <a:tc>
@@ -8502,10 +8302,9 @@
                     <a:lstStyle/>
                     <a:p>
                       <a:r>
-                        <a:rPr lang="en-US" sz="2800" dirty="0" smtClean="0"/>
+                        <a:rPr lang="en-US" sz="2800" dirty="0"/>
                         <a:t>3</a:t>
                       </a:r>
-                      <a:endParaRPr lang="en-US" sz="2800" dirty="0"/>
                     </a:p>
                   </a:txBody>
                   <a:tcPr>
@@ -8540,10 +8339,9 @@
                         <a:defRPr/>
                       </a:pPr>
                       <a:r>
-                        <a:rPr lang="en-US" sz="2800" dirty="0" smtClean="0"/>
+                        <a:rPr lang="en-US" sz="2800" dirty="0"/>
                         <a:t>Fragments</a:t>
                       </a:r>
-                      <a:endParaRPr lang="en-US" sz="2800" dirty="0" smtClean="0"/>
                     </a:p>
                   </a:txBody>
                   <a:tcPr>
@@ -8555,6 +8353,11 @@
                     </a:solidFill>
                   </a:tcPr>
                 </a:tc>
+                <a:extLst>
+                  <a:ext uri="{0D108BD9-81ED-4DB2-BD59-A6C34878D82A}">
+                    <a16:rowId xmlns:a16="http://schemas.microsoft.com/office/drawing/2014/main" val="10001"/>
+                  </a:ext>
+                </a:extLst>
               </a:tr>
               <a:tr h="1001125">
                 <a:tc>
@@ -8563,10 +8366,9 @@
                     <a:lstStyle/>
                     <a:p>
                       <a:r>
-                        <a:rPr lang="en-US" sz="2800" dirty="0" smtClean="0"/>
+                        <a:rPr lang="en-US" sz="2800" dirty="0"/>
                         <a:t>3</a:t>
                       </a:r>
-                      <a:endParaRPr lang="en-US" sz="2800" dirty="0"/>
                     </a:p>
                   </a:txBody>
                   <a:tcPr>
@@ -8601,7 +8403,7 @@
                         <a:defRPr/>
                       </a:pPr>
                       <a:r>
-                        <a:rPr lang="en-US" sz="2800" baseline="0" dirty="0" smtClean="0"/>
+                        <a:rPr lang="en-US" sz="2800" baseline="0" dirty="0"/>
                         <a:t>Reading XML files,</a:t>
                       </a:r>
                     </a:p>
@@ -8624,10 +8426,10 @@
                         <a:defRPr/>
                       </a:pPr>
                       <a:r>
-                        <a:rPr lang="en-US" sz="2800" baseline="0" dirty="0" smtClean="0"/>
+                        <a:rPr lang="en-US" sz="2800" baseline="0" dirty="0"/>
                         <a:t>Asynch Tasks</a:t>
                       </a:r>
-                      <a:endParaRPr lang="en-US" sz="2800" dirty="0" smtClean="0"/>
+                      <a:endParaRPr lang="en-US" sz="2800" dirty="0"/>
                     </a:p>
                   </a:txBody>
                   <a:tcPr>
@@ -8639,6 +8441,11 @@
                     </a:solidFill>
                   </a:tcPr>
                 </a:tc>
+                <a:extLst>
+                  <a:ext uri="{0D108BD9-81ED-4DB2-BD59-A6C34878D82A}">
+                    <a16:rowId xmlns:a16="http://schemas.microsoft.com/office/drawing/2014/main" val="10002"/>
+                  </a:ext>
+                </a:extLst>
               </a:tr>
               <a:tr h="549004">
                 <a:tc>
@@ -8647,10 +8454,9 @@
                     <a:lstStyle/>
                     <a:p>
                       <a:r>
-                        <a:rPr lang="en-US" sz="2800" dirty="0" smtClean="0"/>
+                        <a:rPr lang="en-US" sz="2800" dirty="0"/>
                         <a:t>3</a:t>
                       </a:r>
-                      <a:endParaRPr lang="en-US" sz="2800" dirty="0"/>
                     </a:p>
                   </a:txBody>
                   <a:tcPr>
@@ -8685,7 +8491,7 @@
                         <a:defRPr/>
                       </a:pPr>
                       <a:r>
-                        <a:rPr lang="en-US" sz="2800" dirty="0" smtClean="0"/>
+                        <a:rPr lang="en-US" sz="2800" dirty="0"/>
                         <a:t>List Views</a:t>
                       </a:r>
                     </a:p>
@@ -8699,6 +8505,11 @@
                     </a:solidFill>
                   </a:tcPr>
                 </a:tc>
+                <a:extLst>
+                  <a:ext uri="{0D108BD9-81ED-4DB2-BD59-A6C34878D82A}">
+                    <a16:rowId xmlns:a16="http://schemas.microsoft.com/office/drawing/2014/main" val="10003"/>
+                  </a:ext>
+                </a:extLst>
               </a:tr>
               <a:tr h="549004">
                 <a:tc>
@@ -8707,10 +8518,9 @@
                     <a:lstStyle/>
                     <a:p>
                       <a:r>
-                        <a:rPr lang="en-US" sz="2800" dirty="0" smtClean="0"/>
+                        <a:rPr lang="en-US" sz="2800" dirty="0"/>
                         <a:t>3</a:t>
                       </a:r>
-                      <a:endParaRPr lang="en-US" sz="2800" dirty="0"/>
                     </a:p>
                   </a:txBody>
                   <a:tcPr>
@@ -8745,14 +8555,14 @@
                         <a:defRPr/>
                       </a:pPr>
                       <a:r>
-                        <a:rPr lang="en-US" sz="2800" dirty="0" smtClean="0"/>
+                        <a:rPr lang="en-US" sz="2800" dirty="0"/>
                         <a:t>SQLite</a:t>
                       </a:r>
                       <a:r>
-                        <a:rPr lang="en-US" sz="2800" baseline="0" dirty="0" smtClean="0"/>
+                        <a:rPr lang="en-US" sz="2800" baseline="0" dirty="0"/>
                         <a:t> Databases</a:t>
                       </a:r>
-                      <a:endParaRPr lang="en-US" sz="2800" dirty="0" smtClean="0"/>
+                      <a:endParaRPr lang="en-US" sz="2800" dirty="0"/>
                     </a:p>
                   </a:txBody>
                   <a:tcPr>
@@ -8764,6 +8574,11 @@
                     </a:solidFill>
                   </a:tcPr>
                 </a:tc>
+                <a:extLst>
+                  <a:ext uri="{0D108BD9-81ED-4DB2-BD59-A6C34878D82A}">
+                    <a16:rowId xmlns:a16="http://schemas.microsoft.com/office/drawing/2014/main" val="10004"/>
+                  </a:ext>
+                </a:extLst>
               </a:tr>
               <a:tr h="1001125">
                 <a:tc>
@@ -8772,10 +8587,9 @@
                     <a:lstStyle/>
                     <a:p>
                       <a:r>
-                        <a:rPr lang="en-US" sz="2800" dirty="0" smtClean="0"/>
+                        <a:rPr lang="en-US" sz="2800" dirty="0"/>
                         <a:t>4</a:t>
                       </a:r>
-                      <a:endParaRPr lang="en-US" sz="2800" dirty="0"/>
                     </a:p>
                   </a:txBody>
                   <a:tcPr>
@@ -8810,7 +8624,7 @@
                         <a:defRPr/>
                       </a:pPr>
                       <a:r>
-                        <a:rPr lang="en-US" sz="2800" dirty="0" smtClean="0"/>
+                        <a:rPr lang="en-US" sz="2800" dirty="0"/>
                         <a:t>Consuming web services</a:t>
                       </a:r>
                     </a:p>
@@ -8824,6 +8638,11 @@
                     </a:solidFill>
                   </a:tcPr>
                 </a:tc>
+                <a:extLst>
+                  <a:ext uri="{0D108BD9-81ED-4DB2-BD59-A6C34878D82A}">
+                    <a16:rowId xmlns:a16="http://schemas.microsoft.com/office/drawing/2014/main" val="10005"/>
+                  </a:ext>
+                </a:extLst>
               </a:tr>
               <a:tr h="549004">
                 <a:tc>
@@ -8832,10 +8651,9 @@
                     <a:lstStyle/>
                     <a:p>
                       <a:r>
-                        <a:rPr lang="en-US" sz="2800" dirty="0" smtClean="0"/>
+                        <a:rPr lang="en-US" sz="2800" dirty="0"/>
                         <a:t>4</a:t>
                       </a:r>
-                      <a:endParaRPr lang="en-US" sz="2800" dirty="0"/>
                     </a:p>
                   </a:txBody>
                   <a:tcPr>
@@ -8867,7 +8685,7 @@
                         <a:defRPr/>
                       </a:pPr>
                       <a:r>
-                        <a:rPr lang="en-US" sz="2800" dirty="0" smtClean="0"/>
+                        <a:rPr lang="en-US" sz="2800" dirty="0"/>
                         <a:t>Geolocation</a:t>
                       </a:r>
                     </a:p>
@@ -8878,6 +8696,11 @@
                     </a:solidFill>
                   </a:tcPr>
                 </a:tc>
+                <a:extLst>
+                  <a:ext uri="{0D108BD9-81ED-4DB2-BD59-A6C34878D82A}">
+                    <a16:rowId xmlns:a16="http://schemas.microsoft.com/office/drawing/2014/main" val="10006"/>
+                  </a:ext>
+                </a:extLst>
               </a:tr>
             </a:tbl>
           </a:graphicData>
@@ -8893,13 +8716,6 @@
   <p:clrMapOvr>
     <a:masterClrMapping/>
   </p:clrMapOvr>
-  <p:timing>
-    <p:tnLst>
-      <p:par>
-        <p:cTn id="1" dur="indefinite" restart="never" nodeType="tmRoot"/>
-      </p:par>
-    </p:tnLst>
-  </p:timing>
 </p:sld>
 </file>
 
@@ -8936,18 +8752,13 @@
           <a:lstStyle/>
           <a:p>
             <a:r>
-              <a:rPr lang="en-US" dirty="0" smtClean="0">
+              <a:rPr lang="en-US" dirty="0">
                 <a:solidFill>
                   <a:srgbClr val="0000FF"/>
                 </a:solidFill>
               </a:rPr>
               <a:t>Fused Location Provider</a:t>
             </a:r>
-            <a:endParaRPr lang="en-US" dirty="0">
-              <a:solidFill>
-                <a:srgbClr val="0000FF"/>
-              </a:solidFill>
-            </a:endParaRPr>
           </a:p>
         </p:txBody>
       </p:sp>
@@ -8969,39 +8780,39 @@
           <a:lstStyle/>
           <a:p>
             <a:r>
-              <a:rPr lang="en-US" dirty="0" smtClean="0"/>
+              <a:rPr lang="en-US" dirty="0"/>
               <a:t>Gets the best available provider</a:t>
             </a:r>
           </a:p>
           <a:p>
             <a:r>
-              <a:rPr lang="en-US" dirty="0" smtClean="0"/>
+              <a:rPr lang="en-US" dirty="0"/>
               <a:t>Provides last known location (usually current)</a:t>
             </a:r>
           </a:p>
           <a:p>
             <a:r>
-              <a:rPr lang="en-US" dirty="0" smtClean="0"/>
+              <a:rPr lang="en-US" dirty="0"/>
               <a:t>Provides continuous location updates</a:t>
             </a:r>
           </a:p>
           <a:p>
             <a:r>
-              <a:rPr lang="en-US" dirty="0" smtClean="0"/>
+              <a:rPr lang="en-US" dirty="0"/>
               <a:t> Location client</a:t>
             </a:r>
           </a:p>
           <a:p>
             <a:pPr lvl="1"/>
             <a:r>
-              <a:rPr lang="en-US" dirty="0" smtClean="0"/>
+              <a:rPr lang="en-US" dirty="0"/>
               <a:t>Connects to Google Play Services</a:t>
             </a:r>
           </a:p>
           <a:p>
             <a:pPr lvl="1"/>
             <a:r>
-              <a:rPr lang="en-US" dirty="0" smtClean="0"/>
+              <a:rPr lang="en-US" dirty="0"/>
               <a:t>Developer needs to implement interfaces for callbacks</a:t>
             </a:r>
           </a:p>
@@ -9021,13 +8832,6 @@
   <p:clrMapOvr>
     <a:masterClrMapping/>
   </p:clrMapOvr>
-  <p:timing>
-    <p:tnLst>
-      <p:par>
-        <p:cTn id="1" dur="indefinite" restart="never" nodeType="tmRoot"/>
-      </p:par>
-    </p:tnLst>
-  </p:timing>
 </p:sld>
 </file>
 
@@ -9095,41 +8899,25 @@
               <a:buNone/>
             </a:pPr>
             <a:r>
-              <a:rPr lang="en-US" dirty="0" smtClean="0"/>
+              <a:rPr lang="en-US" dirty="0"/>
               <a:t>Murach Ch. 18 Location Viewer app</a:t>
             </a:r>
           </a:p>
           <a:p>
             <a:r>
-              <a:rPr lang="en-US" dirty="0" smtClean="0"/>
-              <a:t>First, set up your emulator to test an app that uses the Fused Location Provider, see</a:t>
-            </a:r>
-            <a:r>
-              <a:rPr lang="en-US" dirty="0" smtClean="0"/>
-              <a:t>:</a:t>
+              <a:rPr lang="en-US" dirty="0"/>
+              <a:t>First, set up your emulator to test an app that uses the Fused Location Provider, see:</a:t>
             </a:r>
             <a:br>
-              <a:rPr lang="en-US" dirty="0" smtClean="0"/>
+              <a:rPr lang="en-US" dirty="0"/>
             </a:br>
-            <a:r>
-              <a:rPr lang="en-US" dirty="0" smtClean="0">
-                <a:hlinkClick r:id="rId3"/>
-              </a:rPr>
-              <a:t>https</a:t>
-            </a:r>
             <a:r>
               <a:rPr lang="en-US" dirty="0">
                 <a:hlinkClick r:id="rId3"/>
               </a:rPr>
-              <a:t>://birdsbits.wordpress.com/2016/05/26/testing-location-aware-apps-on-an-emulator</a:t>
-            </a:r>
-            <a:r>
-              <a:rPr lang="en-US" dirty="0" smtClean="0">
-                <a:hlinkClick r:id="rId3"/>
-              </a:rPr>
-              <a:t>/</a:t>
-            </a:r>
-            <a:endParaRPr lang="en-US" dirty="0" smtClean="0"/>
+              <a:t>https://birdsbits.wordpress.com/2016/05/26/testing-location-aware-apps-on-an-emulator/</a:t>
+            </a:r>
+            <a:endParaRPr lang="en-US" dirty="0"/>
           </a:p>
           <a:p>
             <a:pPr marL="0" indent="0">
@@ -9155,18 +8943,13 @@
           <a:lstStyle/>
           <a:p>
             <a:r>
-              <a:rPr lang="en-US" b="1" dirty="0" smtClean="0">
+              <a:rPr lang="en-US" b="1" dirty="0">
                 <a:solidFill>
                   <a:srgbClr val="0000FF"/>
                 </a:solidFill>
               </a:rPr>
               <a:t>Code Tour</a:t>
             </a:r>
-            <a:endParaRPr lang="en-US" b="1" dirty="0">
-              <a:solidFill>
-                <a:srgbClr val="0000FF"/>
-              </a:solidFill>
-            </a:endParaRPr>
           </a:p>
         </p:txBody>
       </p:sp>
@@ -9180,13 +8963,6 @@
   <p:clrMapOvr>
     <a:masterClrMapping/>
   </p:clrMapOvr>
-  <p:timing>
-    <p:tnLst>
-      <p:par>
-        <p:cTn id="1" dur="indefinite" restart="never" nodeType="tmRoot"/>
-      </p:par>
-    </p:tnLst>
-  </p:timing>
 </p:sld>
 </file>
 
@@ -9254,10 +9030,9 @@
               <a:defRPr/>
             </a:pPr>
             <a:r>
-              <a:rPr lang="en-US" smtClean="0"/>
+              <a:rPr lang="en-US"/>
               <a:t>Murach's Android Programming, C18</a:t>
             </a:r>
-            <a:endParaRPr lang="en-US"/>
           </a:p>
         </p:txBody>
       </p:sp>
@@ -9285,10 +9060,9 @@
               <a:defRPr/>
             </a:pPr>
             <a:r>
-              <a:rPr lang="en-US" dirty="0" smtClean="0"/>
+              <a:rPr lang="en-US" dirty="0"/>
               <a:t>© 2015, Mike Murach &amp; Associates, Inc.</a:t>
             </a:r>
-            <a:endParaRPr lang="en-US" dirty="0"/>
           </a:p>
         </p:txBody>
       </p:sp>
@@ -9315,14 +9089,14 @@
             <a:pPr>
               <a:defRPr/>
             </a:pPr>
-            <a:endParaRPr lang="en-US" smtClean="0"/>
+            <a:endParaRPr lang="en-US"/>
           </a:p>
           <a:p>
             <a:pPr algn="r">
               <a:defRPr/>
             </a:pPr>
             <a:r>
-              <a:rPr lang="en-US" sz="900" smtClean="0">
+              <a:rPr lang="en-US" sz="900">
                 <a:latin typeface="Arial Narrow" pitchFamily="34" charset="0"/>
               </a:rPr>
               <a:t>Slide </a:t>
@@ -9364,7 +9138,7 @@
           <a:graphicData uri="http://schemas.openxmlformats.org/presentationml/2006/ole">
             <mc:AlternateContent xmlns:mc="http://schemas.openxmlformats.org/markup-compatibility/2006">
               <mc:Choice xmlns:v="urn:schemas-microsoft-com:vml" Requires="v">
-                <p:oleObj spid="_x0000_s10253" name="Document" r:id="rId4" imgW="6965814" imgH="5266463" progId="Word.Document.12">
+                <p:oleObj spid="_x0000_s10255" name="Document" r:id="rId4" imgW="6965814" imgH="5266463" progId="Word.Document.12">
                   <p:embed/>
                 </p:oleObj>
               </mc:Choice>
@@ -9409,13 +9183,6 @@
   <p:clrMapOvr>
     <a:masterClrMapping/>
   </p:clrMapOvr>
-  <p:timing>
-    <p:tnLst>
-      <p:par>
-        <p:cTn id="1" dur="indefinite" restart="never" nodeType="tmRoot"/>
-      </p:par>
-    </p:tnLst>
-  </p:timing>
 </p:sld>
 </file>
 
@@ -9483,10 +9250,9 @@
               <a:defRPr/>
             </a:pPr>
             <a:r>
-              <a:rPr lang="en-US" smtClean="0"/>
+              <a:rPr lang="en-US"/>
               <a:t>Murach's Android Programming, C18</a:t>
             </a:r>
-            <a:endParaRPr lang="en-US"/>
           </a:p>
         </p:txBody>
       </p:sp>
@@ -9514,10 +9280,9 @@
               <a:defRPr/>
             </a:pPr>
             <a:r>
-              <a:rPr lang="en-US" dirty="0" smtClean="0"/>
+              <a:rPr lang="en-US" dirty="0"/>
               <a:t>© 2015, Mike Murach &amp; Associates, Inc.</a:t>
             </a:r>
-            <a:endParaRPr lang="en-US" dirty="0"/>
           </a:p>
         </p:txBody>
       </p:sp>
@@ -9544,14 +9309,14 @@
             <a:pPr>
               <a:defRPr/>
             </a:pPr>
-            <a:endParaRPr lang="en-US" smtClean="0"/>
+            <a:endParaRPr lang="en-US"/>
           </a:p>
           <a:p>
             <a:pPr algn="r">
               <a:defRPr/>
             </a:pPr>
             <a:r>
-              <a:rPr lang="en-US" sz="900" smtClean="0">
+              <a:rPr lang="en-US" sz="900">
                 <a:latin typeface="Arial Narrow" pitchFamily="34" charset="0"/>
               </a:rPr>
               <a:t>Slide </a:t>
@@ -9593,7 +9358,7 @@
           <a:graphicData uri="http://schemas.openxmlformats.org/presentationml/2006/ole">
             <mc:AlternateContent xmlns:mc="http://schemas.openxmlformats.org/markup-compatibility/2006">
               <mc:Choice xmlns:v="urn:schemas-microsoft-com:vml" Requires="v">
-                <p:oleObj spid="_x0000_s9229" name="Document" r:id="rId4" imgW="6965814" imgH="5267903" progId="Word.Document.12">
+                <p:oleObj spid="_x0000_s9231" name="Document" r:id="rId4" imgW="6965814" imgH="5267903" progId="Word.Document.12">
                   <p:embed/>
                 </p:oleObj>
               </mc:Choice>
@@ -9638,13 +9403,6 @@
   <p:clrMapOvr>
     <a:masterClrMapping/>
   </p:clrMapOvr>
-  <p:timing>
-    <p:tnLst>
-      <p:par>
-        <p:cTn id="1" dur="indefinite" restart="never" nodeType="tmRoot"/>
-      </p:par>
-    </p:tnLst>
-  </p:timing>
 </p:sld>
 </file>
 
@@ -9712,10 +9470,9 @@
               <a:defRPr/>
             </a:pPr>
             <a:r>
-              <a:rPr lang="en-US" smtClean="0"/>
+              <a:rPr lang="en-US"/>
               <a:t>Murach's Android Programming, C18</a:t>
             </a:r>
-            <a:endParaRPr lang="en-US"/>
           </a:p>
         </p:txBody>
       </p:sp>
@@ -9743,10 +9500,9 @@
               <a:defRPr/>
             </a:pPr>
             <a:r>
-              <a:rPr lang="en-US" dirty="0" smtClean="0"/>
+              <a:rPr lang="en-US" dirty="0"/>
               <a:t>© 2015, Mike Murach &amp; Associates, Inc.</a:t>
             </a:r>
-            <a:endParaRPr lang="en-US" dirty="0"/>
           </a:p>
         </p:txBody>
       </p:sp>
@@ -9773,14 +9529,14 @@
             <a:pPr>
               <a:defRPr/>
             </a:pPr>
-            <a:endParaRPr lang="en-US" smtClean="0"/>
+            <a:endParaRPr lang="en-US"/>
           </a:p>
           <a:p>
             <a:pPr algn="r">
               <a:defRPr/>
             </a:pPr>
             <a:r>
-              <a:rPr lang="en-US" sz="900" smtClean="0">
+              <a:rPr lang="en-US" sz="900">
                 <a:latin typeface="Arial Narrow" pitchFamily="34" charset="0"/>
               </a:rPr>
               <a:t>Slide </a:t>
@@ -9822,7 +9578,7 @@
           <a:graphicData uri="http://schemas.openxmlformats.org/presentationml/2006/ole">
             <mc:AlternateContent xmlns:mc="http://schemas.openxmlformats.org/markup-compatibility/2006">
               <mc:Choice xmlns:v="urn:schemas-microsoft-com:vml" Requires="v">
-                <p:oleObj spid="_x0000_s11277" name="Document" r:id="rId4" imgW="7606473" imgH="5452300" progId="Word.Document.12">
+                <p:oleObj spid="_x0000_s11279" name="Document" r:id="rId4" imgW="7606473" imgH="5452300" progId="Word.Document.12">
                   <p:embed/>
                 </p:oleObj>
               </mc:Choice>
@@ -9867,13 +9623,6 @@
   <p:clrMapOvr>
     <a:masterClrMapping/>
   </p:clrMapOvr>
-  <p:timing>
-    <p:tnLst>
-      <p:par>
-        <p:cTn id="1" dur="indefinite" restart="never" nodeType="tmRoot"/>
-      </p:par>
-    </p:tnLst>
-  </p:timing>
 </p:sld>
 </file>
 
@@ -9941,10 +9690,9 @@
               <a:defRPr/>
             </a:pPr>
             <a:r>
-              <a:rPr lang="en-US" smtClean="0"/>
+              <a:rPr lang="en-US"/>
               <a:t>Murach's Android Programming, C18</a:t>
             </a:r>
-            <a:endParaRPr lang="en-US"/>
           </a:p>
         </p:txBody>
       </p:sp>
@@ -9972,10 +9720,9 @@
               <a:defRPr/>
             </a:pPr>
             <a:r>
-              <a:rPr lang="en-US" dirty="0" smtClean="0"/>
+              <a:rPr lang="en-US" dirty="0"/>
               <a:t>© 2015, Mike Murach &amp; Associates, Inc.</a:t>
             </a:r>
-            <a:endParaRPr lang="en-US" dirty="0"/>
           </a:p>
         </p:txBody>
       </p:sp>
@@ -10002,14 +9749,14 @@
             <a:pPr>
               <a:defRPr/>
             </a:pPr>
-            <a:endParaRPr lang="en-US" smtClean="0"/>
+            <a:endParaRPr lang="en-US"/>
           </a:p>
           <a:p>
             <a:pPr algn="r">
               <a:defRPr/>
             </a:pPr>
             <a:r>
-              <a:rPr lang="en-US" sz="900" smtClean="0">
+              <a:rPr lang="en-US" sz="900">
                 <a:latin typeface="Arial Narrow" pitchFamily="34" charset="0"/>
               </a:rPr>
               <a:t>Slide </a:t>
@@ -10051,7 +9798,7 @@
           <a:graphicData uri="http://schemas.openxmlformats.org/presentationml/2006/ole">
             <mc:AlternateContent xmlns:mc="http://schemas.openxmlformats.org/markup-compatibility/2006">
               <mc:Choice xmlns:v="urn:schemas-microsoft-com:vml" Requires="v">
-                <p:oleObj spid="_x0000_s12301" name="Document" r:id="rId4" imgW="7514950" imgH="4913876" progId="Word.Document.12">
+                <p:oleObj spid="_x0000_s12303" name="Document" r:id="rId4" imgW="7514950" imgH="4913876" progId="Word.Document.12">
                   <p:embed/>
                 </p:oleObj>
               </mc:Choice>
@@ -10096,13 +9843,6 @@
   <p:clrMapOvr>
     <a:masterClrMapping/>
   </p:clrMapOvr>
-  <p:timing>
-    <p:tnLst>
-      <p:par>
-        <p:cTn id="1" dur="indefinite" restart="never" nodeType="tmRoot"/>
-      </p:par>
-    </p:tnLst>
-  </p:timing>
 </p:sld>
 </file>
 
@@ -10170,10 +9910,9 @@
               <a:defRPr/>
             </a:pPr>
             <a:r>
-              <a:rPr lang="en-US" smtClean="0"/>
+              <a:rPr lang="en-US"/>
               <a:t>Murach's Android Programming, C18</a:t>
             </a:r>
-            <a:endParaRPr lang="en-US"/>
           </a:p>
         </p:txBody>
       </p:sp>
@@ -10201,10 +9940,9 @@
               <a:defRPr/>
             </a:pPr>
             <a:r>
-              <a:rPr lang="en-US" dirty="0" smtClean="0"/>
+              <a:rPr lang="en-US" dirty="0"/>
               <a:t>© 2015, Mike Murach &amp; Associates, Inc.</a:t>
             </a:r>
-            <a:endParaRPr lang="en-US" dirty="0"/>
           </a:p>
         </p:txBody>
       </p:sp>
@@ -10231,14 +9969,14 @@
             <a:pPr>
               <a:defRPr/>
             </a:pPr>
-            <a:endParaRPr lang="en-US" smtClean="0"/>
+            <a:endParaRPr lang="en-US"/>
           </a:p>
           <a:p>
             <a:pPr algn="r">
               <a:defRPr/>
             </a:pPr>
             <a:r>
-              <a:rPr lang="en-US" sz="900" smtClean="0">
+              <a:rPr lang="en-US" sz="900">
                 <a:latin typeface="Arial Narrow" pitchFamily="34" charset="0"/>
               </a:rPr>
               <a:t>Slide </a:t>
@@ -10280,7 +10018,7 @@
           <a:graphicData uri="http://schemas.openxmlformats.org/presentationml/2006/ole">
             <mc:AlternateContent xmlns:mc="http://schemas.openxmlformats.org/markup-compatibility/2006">
               <mc:Choice xmlns:v="urn:schemas-microsoft-com:vml" Requires="v">
-                <p:oleObj spid="_x0000_s13325" name="Document" r:id="rId4" imgW="7630842" imgH="5099212" progId="Word.Document.12">
+                <p:oleObj spid="_x0000_s13327" name="Document" r:id="rId4" imgW="7630842" imgH="5099212" progId="Word.Document.12">
                   <p:embed/>
                 </p:oleObj>
               </mc:Choice>
@@ -10325,13 +10063,6 @@
   <p:clrMapOvr>
     <a:masterClrMapping/>
   </p:clrMapOvr>
-  <p:timing>
-    <p:tnLst>
-      <p:par>
-        <p:cTn id="1" dur="indefinite" restart="never" nodeType="tmRoot"/>
-      </p:par>
-    </p:tnLst>
-  </p:timing>
 </p:sld>
 </file>
 
@@ -10399,10 +10130,9 @@
               <a:defRPr/>
             </a:pPr>
             <a:r>
-              <a:rPr lang="en-US" smtClean="0"/>
+              <a:rPr lang="en-US"/>
               <a:t>Murach's Android Programming, C18</a:t>
             </a:r>
-            <a:endParaRPr lang="en-US"/>
           </a:p>
         </p:txBody>
       </p:sp>
@@ -10430,10 +10160,9 @@
               <a:defRPr/>
             </a:pPr>
             <a:r>
-              <a:rPr lang="en-US" dirty="0" smtClean="0"/>
+              <a:rPr lang="en-US" dirty="0"/>
               <a:t>© 2015, Mike Murach &amp; Associates, Inc.</a:t>
             </a:r>
-            <a:endParaRPr lang="en-US" dirty="0"/>
           </a:p>
         </p:txBody>
       </p:sp>
@@ -10460,14 +10189,14 @@
             <a:pPr>
               <a:defRPr/>
             </a:pPr>
-            <a:endParaRPr lang="en-US" smtClean="0"/>
+            <a:endParaRPr lang="en-US"/>
           </a:p>
           <a:p>
             <a:pPr algn="r">
               <a:defRPr/>
             </a:pPr>
             <a:r>
-              <a:rPr lang="en-US" sz="900" smtClean="0">
+              <a:rPr lang="en-US" sz="900">
                 <a:latin typeface="Arial Narrow" pitchFamily="34" charset="0"/>
               </a:rPr>
               <a:t>Slide </a:t>
@@ -10509,7 +10238,7 @@
           <a:graphicData uri="http://schemas.openxmlformats.org/presentationml/2006/ole">
             <mc:AlternateContent xmlns:mc="http://schemas.openxmlformats.org/markup-compatibility/2006">
               <mc:Choice xmlns:v="urn:schemas-microsoft-com:vml" Requires="v">
-                <p:oleObj spid="_x0000_s14349" name="Document" r:id="rId4" imgW="7402299" imgH="4704170" progId="Word.Document.12">
+                <p:oleObj spid="_x0000_s14351" name="Document" r:id="rId4" imgW="7402299" imgH="4704170" progId="Word.Document.12">
                   <p:embed/>
                 </p:oleObj>
               </mc:Choice>
@@ -10554,13 +10283,6 @@
   <p:clrMapOvr>
     <a:masterClrMapping/>
   </p:clrMapOvr>
-  <p:timing>
-    <p:tnLst>
-      <p:par>
-        <p:cTn id="1" dur="indefinite" restart="never" nodeType="tmRoot"/>
-      </p:par>
-    </p:tnLst>
-  </p:timing>
 </p:sld>
 </file>
 
@@ -10628,10 +10350,9 @@
               <a:defRPr/>
             </a:pPr>
             <a:r>
-              <a:rPr lang="en-US" smtClean="0"/>
+              <a:rPr lang="en-US"/>
               <a:t>Murach's Android Programming, C18</a:t>
             </a:r>
-            <a:endParaRPr lang="en-US"/>
           </a:p>
         </p:txBody>
       </p:sp>
@@ -10659,10 +10380,9 @@
               <a:defRPr/>
             </a:pPr>
             <a:r>
-              <a:rPr lang="en-US" dirty="0" smtClean="0"/>
+              <a:rPr lang="en-US" dirty="0"/>
               <a:t>© 2015, Mike Murach &amp; Associates, Inc.</a:t>
             </a:r>
-            <a:endParaRPr lang="en-US" dirty="0"/>
           </a:p>
         </p:txBody>
       </p:sp>
@@ -10689,14 +10409,14 @@
             <a:pPr>
               <a:defRPr/>
             </a:pPr>
-            <a:endParaRPr lang="en-US" smtClean="0"/>
+            <a:endParaRPr lang="en-US"/>
           </a:p>
           <a:p>
             <a:pPr algn="r">
               <a:defRPr/>
             </a:pPr>
             <a:r>
-              <a:rPr lang="en-US" sz="900" smtClean="0">
+              <a:rPr lang="en-US" sz="900">
                 <a:latin typeface="Arial Narrow" pitchFamily="34" charset="0"/>
               </a:rPr>
               <a:t>Slide </a:t>
@@ -10738,7 +10458,7 @@
           <a:graphicData uri="http://schemas.openxmlformats.org/presentationml/2006/ole">
             <mc:AlternateContent xmlns:mc="http://schemas.openxmlformats.org/markup-compatibility/2006">
               <mc:Choice xmlns:v="urn:schemas-microsoft-com:vml" Requires="v">
-                <p:oleObj spid="_x0000_s15373" name="Document" r:id="rId4" imgW="6957808" imgH="4984801" progId="Word.Document.12">
+                <p:oleObj spid="_x0000_s15375" name="Document" r:id="rId4" imgW="6957808" imgH="4984801" progId="Word.Document.12">
                   <p:embed/>
                 </p:oleObj>
               </mc:Choice>
@@ -10783,13 +10503,6 @@
   <p:clrMapOvr>
     <a:masterClrMapping/>
   </p:clrMapOvr>
-  <p:timing>
-    <p:tnLst>
-      <p:par>
-        <p:cTn id="1" dur="indefinite" restart="never" nodeType="tmRoot"/>
-      </p:par>
-    </p:tnLst>
-  </p:timing>
 </p:sld>
 </file>
 
@@ -10857,10 +10570,9 @@
               <a:defRPr/>
             </a:pPr>
             <a:r>
-              <a:rPr lang="en-US" smtClean="0"/>
+              <a:rPr lang="en-US"/>
               <a:t>Murach's Android Programming, C18</a:t>
             </a:r>
-            <a:endParaRPr lang="en-US"/>
           </a:p>
         </p:txBody>
       </p:sp>
@@ -10888,10 +10600,9 @@
               <a:defRPr/>
             </a:pPr>
             <a:r>
-              <a:rPr lang="en-US" dirty="0" smtClean="0"/>
+              <a:rPr lang="en-US" dirty="0"/>
               <a:t>© 2015, Mike Murach &amp; Associates, Inc.</a:t>
             </a:r>
-            <a:endParaRPr lang="en-US" dirty="0"/>
           </a:p>
         </p:txBody>
       </p:sp>
@@ -10918,14 +10629,14 @@
             <a:pPr>
               <a:defRPr/>
             </a:pPr>
-            <a:endParaRPr lang="en-US" smtClean="0"/>
+            <a:endParaRPr lang="en-US"/>
           </a:p>
           <a:p>
             <a:pPr algn="r">
               <a:defRPr/>
             </a:pPr>
             <a:r>
-              <a:rPr lang="en-US" sz="900" smtClean="0">
+              <a:rPr lang="en-US" sz="900">
                 <a:latin typeface="Arial Narrow" pitchFamily="34" charset="0"/>
               </a:rPr>
               <a:t>Slide </a:t>
@@ -10967,7 +10678,7 @@
           <a:graphicData uri="http://schemas.openxmlformats.org/presentationml/2006/ole">
             <mc:AlternateContent xmlns:mc="http://schemas.openxmlformats.org/markup-compatibility/2006">
               <mc:Choice xmlns:v="urn:schemas-microsoft-com:vml" Requires="v">
-                <p:oleObj spid="_x0000_s16397" name="Document" r:id="rId4" imgW="7265172" imgH="5600390" progId="Word.Document.12">
+                <p:oleObj spid="_x0000_s16399" name="Document" r:id="rId4" imgW="7265172" imgH="5600390" progId="Word.Document.12">
                   <p:embed/>
                 </p:oleObj>
               </mc:Choice>
@@ -11012,13 +10723,6 @@
   <p:clrMapOvr>
     <a:masterClrMapping/>
   </p:clrMapOvr>
-  <p:timing>
-    <p:tnLst>
-      <p:par>
-        <p:cTn id="1" dur="indefinite" restart="never" nodeType="tmRoot"/>
-      </p:par>
-    </p:tnLst>
-  </p:timing>
 </p:sld>
 </file>
 
@@ -11055,18 +10759,13 @@
           <a:lstStyle/>
           <a:p>
             <a:r>
-              <a:rPr lang="en-US" dirty="0" smtClean="0">
+              <a:rPr lang="en-US" dirty="0">
                 <a:solidFill>
                   <a:srgbClr val="0000FF"/>
                 </a:solidFill>
               </a:rPr>
               <a:t>Android Geolocation APIs</a:t>
             </a:r>
-            <a:endParaRPr lang="en-US" dirty="0">
-              <a:solidFill>
-                <a:srgbClr val="0000FF"/>
-              </a:solidFill>
-            </a:endParaRPr>
           </a:p>
         </p:txBody>
       </p:sp>
@@ -11089,31 +10788,31 @@
               <a:buNone/>
             </a:pPr>
             <a:r>
-              <a:rPr lang="en-US" dirty="0" smtClean="0"/>
+              <a:rPr lang="en-US" dirty="0"/>
               <a:t>Information provided:</a:t>
             </a:r>
           </a:p>
           <a:p>
             <a:r>
-              <a:rPr lang="en-US" dirty="0" smtClean="0"/>
+              <a:rPr lang="en-US" dirty="0"/>
               <a:t>Latitude and longitude</a:t>
             </a:r>
           </a:p>
           <a:p>
             <a:r>
-              <a:rPr lang="en-US" dirty="0" smtClean="0"/>
+              <a:rPr lang="en-US" dirty="0"/>
               <a:t>Altitude</a:t>
             </a:r>
           </a:p>
           <a:p>
             <a:r>
-              <a:rPr lang="en-US" dirty="0" smtClean="0"/>
+              <a:rPr lang="en-US" dirty="0"/>
               <a:t>Speed</a:t>
             </a:r>
           </a:p>
           <a:p>
             <a:r>
-              <a:rPr lang="en-US" dirty="0" smtClean="0"/>
+              <a:rPr lang="en-US" dirty="0"/>
               <a:t>Heading</a:t>
             </a:r>
           </a:p>
@@ -11133,13 +10832,6 @@
   <p:clrMapOvr>
     <a:masterClrMapping/>
   </p:clrMapOvr>
-  <p:timing>
-    <p:tnLst>
-      <p:par>
-        <p:cTn id="1" dur="indefinite" restart="never" nodeType="tmRoot"/>
-      </p:par>
-    </p:tnLst>
-  </p:timing>
 </p:sld>
 </file>
 
@@ -11176,18 +10868,13 @@
           <a:lstStyle/>
           <a:p>
             <a:r>
-              <a:rPr lang="en-US" dirty="0" smtClean="0">
+              <a:rPr lang="en-US" dirty="0">
                 <a:solidFill>
                   <a:srgbClr val="0000FF"/>
                 </a:solidFill>
               </a:rPr>
               <a:t>Related APIs</a:t>
             </a:r>
-            <a:endParaRPr lang="en-US" dirty="0">
-              <a:solidFill>
-                <a:srgbClr val="0000FF"/>
-              </a:solidFill>
-            </a:endParaRPr>
           </a:p>
         </p:txBody>
       </p:sp>
@@ -11209,44 +10896,43 @@
           <a:lstStyle/>
           <a:p>
             <a:r>
-              <a:rPr lang="en-US" dirty="0" smtClean="0"/>
+              <a:rPr lang="en-US" dirty="0"/>
               <a:t>Geocoder</a:t>
             </a:r>
           </a:p>
           <a:p>
             <a:pPr lvl="1"/>
             <a:r>
-              <a:rPr lang="en-US" dirty="0" smtClean="0"/>
+              <a:rPr lang="en-US" dirty="0"/>
               <a:t>Get address from latitude and longitude</a:t>
             </a:r>
           </a:p>
           <a:p>
             <a:pPr lvl="1"/>
             <a:r>
-              <a:rPr lang="en-US" dirty="0" smtClean="0"/>
+              <a:rPr lang="en-US" dirty="0"/>
               <a:t>Get latitude and longitude from address</a:t>
             </a:r>
           </a:p>
           <a:p>
             <a:r>
-              <a:rPr lang="en-US" dirty="0" smtClean="0"/>
+              <a:rPr lang="en-US" dirty="0"/>
               <a:t>Geofencing</a:t>
             </a:r>
           </a:p>
           <a:p>
             <a:pPr lvl="1"/>
             <a:r>
-              <a:rPr lang="en-US" dirty="0" smtClean="0"/>
+              <a:rPr lang="en-US" dirty="0"/>
               <a:t>Monitor distance from a point of interest</a:t>
             </a:r>
           </a:p>
           <a:p>
             <a:pPr lvl="1"/>
             <a:r>
-              <a:rPr lang="en-US" dirty="0" smtClean="0"/>
+              <a:rPr lang="en-US" dirty="0"/>
               <a:t>Get notifications when entering or leaving area of interest</a:t>
             </a:r>
-            <a:endParaRPr lang="en-US" dirty="0"/>
           </a:p>
         </p:txBody>
       </p:sp>
@@ -11260,14 +10946,6 @@
   <p:clrMapOvr>
     <a:masterClrMapping/>
   </p:clrMapOvr>
-  <mc:AlternateContent xmlns:mc="http://schemas.openxmlformats.org/markup-compatibility/2006">
-    <mc:Choice xmlns:p14="http://schemas.microsoft.com/office/powerpoint/2010/main" Requires="p14">
-      <p:transition spd="slow" p14:dur="2000"/>
-    </mc:Choice>
-    <mc:Fallback>
-      <p:transition spd="slow"/>
-    </mc:Fallback>
-  </mc:AlternateContent>
 </p:sld>
 </file>
 
@@ -11323,18 +11001,13 @@
           <a:lstStyle/>
           <a:p>
             <a:r>
-              <a:rPr lang="en-US" b="1" dirty="0" smtClean="0">
+              <a:rPr lang="en-US" b="1" dirty="0">
                 <a:solidFill>
                   <a:srgbClr val="0000FF"/>
                 </a:solidFill>
               </a:rPr>
               <a:t>Further Geolocation Reading</a:t>
             </a:r>
-            <a:endParaRPr lang="en-US" b="1" dirty="0">
-              <a:solidFill>
-                <a:srgbClr val="0000FF"/>
-              </a:solidFill>
-            </a:endParaRPr>
           </a:p>
         </p:txBody>
       </p:sp>
@@ -11356,12 +11029,8 @@
           <a:lstStyle/>
           <a:p>
             <a:r>
-              <a:rPr lang="en-US" dirty="0" smtClean="0"/>
-              <a:t>Guide: Overview of Google </a:t>
-            </a:r>
-            <a:r>
               <a:rPr lang="en-US" dirty="0"/>
-              <a:t>Play Services</a:t>
+              <a:t>Guide: Overview of Google Play Services</a:t>
             </a:r>
             <a:br>
               <a:rPr lang="en-US" dirty="0"/>
@@ -11370,27 +11039,17 @@
               <a:rPr lang="en-US" sz="2400" dirty="0">
                 <a:hlinkClick r:id="rId2"/>
               </a:rPr>
-              <a:t>https://developers.google.com/android/guides/</a:t>
-            </a:r>
-            <a:r>
-              <a:rPr lang="en-US" sz="2400" dirty="0" smtClean="0">
-                <a:hlinkClick r:id="rId2"/>
-              </a:rPr>
-              <a:t>overview</a:t>
-            </a:r>
-            <a:r>
-              <a:rPr lang="en-US" sz="2400" dirty="0" smtClean="0"/>
+              <a:t>https://developers.google.com/android/guides/overview</a:t>
+            </a:r>
+            <a:r>
+              <a:rPr lang="en-US" sz="2400" dirty="0"/>
               <a:t> </a:t>
             </a:r>
           </a:p>
           <a:p>
             <a:r>
-              <a:rPr lang="en-US" dirty="0" smtClean="0"/>
+              <a:rPr lang="en-US" dirty="0"/>
               <a:t>Tutorial: Making Your App Location-Aware</a:t>
-            </a:r>
-            <a:r>
-              <a:rPr lang="en-US" dirty="0"/>
-              <a:t/>
             </a:r>
             <a:br>
               <a:rPr lang="en-US" dirty="0"/>
@@ -11399,30 +11058,24 @@
               <a:rPr lang="en-US" sz="2400" dirty="0">
                 <a:hlinkClick r:id="rId3"/>
               </a:rPr>
-              <a:t>https://developer.android.com/training/location/</a:t>
-            </a:r>
-            <a:r>
-              <a:rPr lang="en-US" sz="2400" dirty="0" smtClean="0">
-                <a:hlinkClick r:id="rId3"/>
-              </a:rPr>
-              <a:t>index.html</a:t>
-            </a:r>
-            <a:r>
-              <a:rPr lang="en-US" sz="2400" dirty="0" smtClean="0"/>
+              <a:t>https://developer.android.com/training/location/index.html</a:t>
+            </a:r>
+            <a:r>
+              <a:rPr lang="en-US" sz="2400" dirty="0"/>
               <a:t> </a:t>
             </a:r>
           </a:p>
           <a:p>
             <a:r>
-              <a:rPr lang="en-US" dirty="0" smtClean="0"/>
+              <a:rPr lang="en-US" dirty="0"/>
               <a:t>Google Play Services Location </a:t>
             </a:r>
             <a:r>
-              <a:rPr lang="en-US" dirty="0" err="1" smtClean="0"/>
+              <a:rPr lang="en-US" dirty="0" err="1"/>
               <a:t>APIs</a:t>
             </a:r>
             <a:r>
-              <a:rPr lang="en-US" sz="2400" dirty="0" err="1" smtClean="0">
+              <a:rPr lang="en-US" sz="2400" dirty="0" err="1">
                 <a:hlinkClick r:id="rId4"/>
               </a:rPr>
               <a:t>https</a:t>
@@ -11431,16 +11084,10 @@
               <a:rPr lang="en-US" sz="2400" dirty="0">
                 <a:hlinkClick r:id="rId4"/>
               </a:rPr>
-              <a:t>://developers.google.com/android/reference/com/google/android/gms/location/package-</a:t>
-            </a:r>
-            <a:r>
-              <a:rPr lang="en-US" sz="2400" dirty="0" smtClean="0">
-                <a:hlinkClick r:id="rId4"/>
-              </a:rPr>
-              <a:t>summary</a:t>
-            </a:r>
-            <a:r>
-              <a:rPr lang="en-US" sz="2400" dirty="0" smtClean="0"/>
+              <a:t>://developers.google.com/android/reference/com/google/android/gms/location/package-summary</a:t>
+            </a:r>
+            <a:r>
+              <a:rPr lang="en-US" sz="2400" dirty="0"/>
               <a:t> </a:t>
             </a:r>
             <a:endParaRPr lang="en-US" dirty="0"/>
@@ -11457,21 +11104,6 @@
   <p:clrMapOvr>
     <a:masterClrMapping/>
   </p:clrMapOvr>
-  <mc:AlternateContent xmlns:mc="http://schemas.openxmlformats.org/markup-compatibility/2006" xmlns:p14="http://schemas.microsoft.com/office/powerpoint/2010/main">
-    <mc:Choice Requires="p14">
-      <p:transition spd="slow" p14:dur="2000"/>
-    </mc:Choice>
-    <mc:Fallback xmlns="">
-      <p:transition xmlns:p14="http://schemas.microsoft.com/office/powerpoint/2010/main" spd="slow"/>
-    </mc:Fallback>
-  </mc:AlternateContent>
-  <p:timing>
-    <p:tnLst>
-      <p:par>
-        <p:cTn id="1" dur="indefinite" restart="never" nodeType="tmRoot"/>
-      </p:par>
-    </p:tnLst>
-  </p:timing>
 </p:sld>
 </file>
 
@@ -11508,18 +11140,13 @@
           <a:lstStyle/>
           <a:p>
             <a:r>
-              <a:rPr lang="en-US" b="1" dirty="0" smtClean="0">
+              <a:rPr lang="en-US" b="1" dirty="0">
                 <a:solidFill>
                   <a:srgbClr val="0000FF"/>
                 </a:solidFill>
               </a:rPr>
               <a:t>Location Data Sources</a:t>
             </a:r>
-            <a:endParaRPr lang="en-US" b="1" dirty="0">
-              <a:solidFill>
-                <a:srgbClr val="0000FF"/>
-              </a:solidFill>
-            </a:endParaRPr>
           </a:p>
         </p:txBody>
       </p:sp>
@@ -11549,9 +11176,27 @@
                 <a:tableStyleId>{5C22544A-7EE6-4342-B048-85BDC9FD1C3A}</a:tableStyleId>
               </a:tblPr>
               <a:tblGrid>
-                <a:gridCol w="2743200"/>
-                <a:gridCol w="2743200"/>
-                <a:gridCol w="2743200"/>
+                <a:gridCol w="2743200">
+                  <a:extLst>
+                    <a:ext uri="{9D8B030D-6E8A-4147-A177-3AD203B41FA5}">
+                      <a16:colId xmlns:a16="http://schemas.microsoft.com/office/drawing/2014/main" val="20000"/>
+                    </a:ext>
+                  </a:extLst>
+                </a:gridCol>
+                <a:gridCol w="2743200">
+                  <a:extLst>
+                    <a:ext uri="{9D8B030D-6E8A-4147-A177-3AD203B41FA5}">
+                      <a16:colId xmlns:a16="http://schemas.microsoft.com/office/drawing/2014/main" val="20001"/>
+                    </a:ext>
+                  </a:extLst>
+                </a:gridCol>
+                <a:gridCol w="2743200">
+                  <a:extLst>
+                    <a:ext uri="{9D8B030D-6E8A-4147-A177-3AD203B41FA5}">
+                      <a16:colId xmlns:a16="http://schemas.microsoft.com/office/drawing/2014/main" val="20002"/>
+                    </a:ext>
+                  </a:extLst>
+                </a:gridCol>
               </a:tblGrid>
               <a:tr h="370840">
                 <a:tc>
@@ -11560,10 +11205,9 @@
                     <a:lstStyle/>
                     <a:p>
                       <a:r>
-                        <a:rPr lang="en-US" sz="2800" dirty="0" smtClean="0"/>
+                        <a:rPr lang="en-US" sz="2800" dirty="0"/>
                         <a:t>Source</a:t>
                       </a:r>
-                      <a:endParaRPr lang="en-US" sz="2800" dirty="0"/>
                     </a:p>
                   </a:txBody>
                   <a:tcPr/>
@@ -11574,10 +11218,9 @@
                     <a:lstStyle/>
                     <a:p>
                       <a:r>
-                        <a:rPr lang="en-US" sz="2800" dirty="0" smtClean="0"/>
+                        <a:rPr lang="en-US" sz="2800" dirty="0"/>
                         <a:t>Accuracy</a:t>
                       </a:r>
-                      <a:endParaRPr lang="en-US" sz="2800" dirty="0"/>
                     </a:p>
                   </a:txBody>
                   <a:tcPr/>
@@ -11588,11 +11231,11 @@
                     <a:lstStyle/>
                     <a:p>
                       <a:r>
-                        <a:rPr lang="en-US" sz="2800" dirty="0" smtClean="0"/>
+                        <a:rPr lang="en-US" sz="2800" dirty="0"/>
                         <a:t>Battery</a:t>
                       </a:r>
                       <a:r>
-                        <a:rPr lang="en-US" sz="2800" baseline="0" dirty="0" smtClean="0"/>
+                        <a:rPr lang="en-US" sz="2800" baseline="0" dirty="0"/>
                         <a:t> Drain</a:t>
                       </a:r>
                       <a:endParaRPr lang="en-US" sz="2800" dirty="0"/>
@@ -11600,6 +11243,11 @@
                   </a:txBody>
                   <a:tcPr/>
                 </a:tc>
+                <a:extLst>
+                  <a:ext uri="{0D108BD9-81ED-4DB2-BD59-A6C34878D82A}">
+                    <a16:rowId xmlns:a16="http://schemas.microsoft.com/office/drawing/2014/main" val="10000"/>
+                  </a:ext>
+                </a:extLst>
               </a:tr>
               <a:tr h="370840">
                 <a:tc>
@@ -11608,10 +11256,9 @@
                     <a:lstStyle/>
                     <a:p>
                       <a:r>
-                        <a:rPr lang="en-US" sz="2800" dirty="0" smtClean="0"/>
+                        <a:rPr lang="en-US" sz="2800" dirty="0"/>
                         <a:t>GPS</a:t>
                       </a:r>
-                      <a:endParaRPr lang="en-US" sz="2800" dirty="0"/>
                     </a:p>
                   </a:txBody>
                   <a:tcPr/>
@@ -11622,10 +11269,9 @@
                     <a:lstStyle/>
                     <a:p>
                       <a:r>
-                        <a:rPr lang="en-US" sz="2800" dirty="0" smtClean="0"/>
+                        <a:rPr lang="en-US" sz="2800" dirty="0"/>
                         <a:t>High</a:t>
                       </a:r>
-                      <a:endParaRPr lang="en-US" sz="2800" dirty="0"/>
                     </a:p>
                   </a:txBody>
                   <a:tcPr/>
@@ -11636,14 +11282,18 @@
                     <a:lstStyle/>
                     <a:p>
                       <a:r>
-                        <a:rPr lang="en-US" sz="2800" dirty="0" smtClean="0"/>
+                        <a:rPr lang="en-US" sz="2800" dirty="0"/>
                         <a:t>Highest</a:t>
                       </a:r>
-                      <a:endParaRPr lang="en-US" sz="2800" dirty="0"/>
                     </a:p>
                   </a:txBody>
                   <a:tcPr/>
                 </a:tc>
+                <a:extLst>
+                  <a:ext uri="{0D108BD9-81ED-4DB2-BD59-A6C34878D82A}">
+                    <a16:rowId xmlns:a16="http://schemas.microsoft.com/office/drawing/2014/main" val="10001"/>
+                  </a:ext>
+                </a:extLst>
               </a:tr>
               <a:tr h="370840">
                 <a:tc>
@@ -11652,11 +11302,11 @@
                     <a:lstStyle/>
                     <a:p>
                       <a:r>
-                        <a:rPr lang="en-US" sz="2800" dirty="0" smtClean="0"/>
+                        <a:rPr lang="en-US" sz="2800" dirty="0"/>
                         <a:t>Cellular</a:t>
                       </a:r>
                       <a:r>
-                        <a:rPr lang="en-US" sz="2800" baseline="0" dirty="0" smtClean="0"/>
+                        <a:rPr lang="en-US" sz="2800" baseline="0" dirty="0"/>
                         <a:t> Towers</a:t>
                       </a:r>
                       <a:endParaRPr lang="en-US" sz="2800" dirty="0"/>
@@ -11670,10 +11320,9 @@
                     <a:lstStyle/>
                     <a:p>
                       <a:r>
-                        <a:rPr lang="en-US" sz="2800" dirty="0" smtClean="0"/>
+                        <a:rPr lang="en-US" sz="2800" dirty="0"/>
                         <a:t>Medium</a:t>
                       </a:r>
-                      <a:endParaRPr lang="en-US" sz="2800" dirty="0"/>
                     </a:p>
                   </a:txBody>
                   <a:tcPr/>
@@ -11684,14 +11333,18 @@
                     <a:lstStyle/>
                     <a:p>
                       <a:r>
-                        <a:rPr lang="en-US" sz="2800" dirty="0" smtClean="0"/>
+                        <a:rPr lang="en-US" sz="2800" dirty="0"/>
                         <a:t>Lower</a:t>
                       </a:r>
-                      <a:endParaRPr lang="en-US" sz="2800" dirty="0"/>
                     </a:p>
                   </a:txBody>
                   <a:tcPr/>
                 </a:tc>
+                <a:extLst>
+                  <a:ext uri="{0D108BD9-81ED-4DB2-BD59-A6C34878D82A}">
+                    <a16:rowId xmlns:a16="http://schemas.microsoft.com/office/drawing/2014/main" val="10002"/>
+                  </a:ext>
+                </a:extLst>
               </a:tr>
               <a:tr h="370840">
                 <a:tc>
@@ -11700,10 +11353,9 @@
                     <a:lstStyle/>
                     <a:p>
                       <a:r>
-                        <a:rPr lang="en-US" sz="2800" dirty="0" smtClean="0"/>
+                        <a:rPr lang="en-US" sz="2800" dirty="0"/>
                         <a:t>Wi-Fi</a:t>
                       </a:r>
-                      <a:endParaRPr lang="en-US" sz="2800" dirty="0"/>
                     </a:p>
                   </a:txBody>
                   <a:tcPr/>
@@ -11714,18 +11366,17 @@
                     <a:lstStyle/>
                     <a:p>
                       <a:r>
-                        <a:rPr lang="en-US" sz="2800" dirty="0" smtClean="0"/>
+                        <a:rPr lang="en-US" sz="2800" dirty="0"/>
                         <a:t>Variable: medium to</a:t>
                       </a:r>
                       <a:r>
-                        <a:rPr lang="en-US" sz="2800" baseline="0" dirty="0" smtClean="0"/>
+                        <a:rPr lang="en-US" sz="2800" baseline="0" dirty="0"/>
                         <a:t> l</a:t>
                       </a:r>
                       <a:r>
-                        <a:rPr lang="en-US" sz="2800" dirty="0" smtClean="0"/>
+                        <a:rPr lang="en-US" sz="2800" dirty="0"/>
                         <a:t>ow</a:t>
                       </a:r>
-                      <a:endParaRPr lang="en-US" sz="2800" dirty="0"/>
                     </a:p>
                   </a:txBody>
                   <a:tcPr/>
@@ -11736,14 +11387,18 @@
                     <a:lstStyle/>
                     <a:p>
                       <a:r>
-                        <a:rPr lang="en-US" sz="2800" dirty="0" smtClean="0"/>
+                        <a:rPr lang="en-US" sz="2800" dirty="0"/>
                         <a:t>Lower</a:t>
                       </a:r>
-                      <a:endParaRPr lang="en-US" sz="2800" dirty="0"/>
                     </a:p>
                   </a:txBody>
                   <a:tcPr/>
                 </a:tc>
+                <a:extLst>
+                  <a:ext uri="{0D108BD9-81ED-4DB2-BD59-A6C34878D82A}">
+                    <a16:rowId xmlns:a16="http://schemas.microsoft.com/office/drawing/2014/main" val="10003"/>
+                  </a:ext>
+                </a:extLst>
               </a:tr>
               <a:tr h="370840">
                 <a:tc>
@@ -11752,10 +11407,9 @@
                     <a:lstStyle/>
                     <a:p>
                       <a:r>
-                        <a:rPr lang="en-US" sz="2800" dirty="0" smtClean="0"/>
+                        <a:rPr lang="en-US" sz="2800" dirty="0"/>
                         <a:t>Passive</a:t>
                       </a:r>
-                      <a:endParaRPr lang="en-US" sz="2800" dirty="0"/>
                     </a:p>
                   </a:txBody>
                   <a:tcPr/>
@@ -11766,10 +11420,9 @@
                     <a:lstStyle/>
                     <a:p>
                       <a:r>
-                        <a:rPr lang="en-US" sz="2800" dirty="0" smtClean="0"/>
+                        <a:rPr lang="en-US" sz="2800" dirty="0"/>
                         <a:t>Variable</a:t>
                       </a:r>
-                      <a:endParaRPr lang="en-US" sz="2800" dirty="0"/>
                     </a:p>
                   </a:txBody>
                   <a:tcPr/>
@@ -11780,14 +11433,18 @@
                     <a:lstStyle/>
                     <a:p>
                       <a:r>
-                        <a:rPr lang="en-US" sz="2800" dirty="0" smtClean="0"/>
+                        <a:rPr lang="en-US" sz="2800" dirty="0"/>
                         <a:t>None</a:t>
                       </a:r>
-                      <a:endParaRPr lang="en-US" sz="2800" dirty="0"/>
                     </a:p>
                   </a:txBody>
                   <a:tcPr/>
                 </a:tc>
+                <a:extLst>
+                  <a:ext uri="{0D108BD9-81ED-4DB2-BD59-A6C34878D82A}">
+                    <a16:rowId xmlns:a16="http://schemas.microsoft.com/office/drawing/2014/main" val="10004"/>
+                  </a:ext>
+                </a:extLst>
               </a:tr>
             </a:tbl>
           </a:graphicData>
@@ -11803,13 +11460,6 @@
   <p:clrMapOvr>
     <a:masterClrMapping/>
   </p:clrMapOvr>
-  <p:timing>
-    <p:tnLst>
-      <p:par>
-        <p:cTn id="1" dur="indefinite" restart="never" nodeType="tmRoot"/>
-      </p:par>
-    </p:tnLst>
-  </p:timing>
 </p:sld>
 </file>
 
@@ -11849,10 +11499,9 @@
               <a:defRPr/>
             </a:pPr>
             <a:r>
-              <a:rPr lang="en-US" smtClean="0"/>
+              <a:rPr lang="en-US"/>
               <a:t>Murach's Android Programming, C18</a:t>
             </a:r>
-            <a:endParaRPr lang="en-US"/>
           </a:p>
         </p:txBody>
       </p:sp>
@@ -11875,10 +11524,9 @@
               <a:defRPr/>
             </a:pPr>
             <a:r>
-              <a:rPr lang="en-US" dirty="0" smtClean="0"/>
+              <a:rPr lang="en-US" dirty="0"/>
               <a:t>© 2015, Mike Murach &amp; Associates, Inc.</a:t>
             </a:r>
-            <a:endParaRPr lang="en-US" dirty="0"/>
           </a:p>
         </p:txBody>
       </p:sp>
@@ -11900,14 +11548,14 @@
             <a:pPr>
               <a:defRPr/>
             </a:pPr>
-            <a:endParaRPr lang="en-US" smtClean="0"/>
+            <a:endParaRPr lang="en-US"/>
           </a:p>
           <a:p>
             <a:pPr algn="r">
               <a:defRPr/>
             </a:pPr>
             <a:r>
-              <a:rPr lang="en-US" sz="900" smtClean="0">
+              <a:rPr lang="en-US" sz="900">
                 <a:latin typeface="Arial Narrow" pitchFamily="34" charset="0"/>
               </a:rPr>
               <a:t>Slide </a:t>
@@ -11936,25 +11584,25 @@
           <p:nvPr>
             <p:extLst>
               <p:ext uri="{D42A27DB-BD31-4B8C-83A1-F6EECF244321}">
-                <p14:modId xmlns:p14="http://schemas.microsoft.com/office/powerpoint/2010/main" val="2482724162"/>
+                <p14:modId xmlns:p14="http://schemas.microsoft.com/office/powerpoint/2010/main" val="3229280036"/>
               </p:ext>
             </p:extLst>
           </p:nvPr>
         </p:nvGraphicFramePr>
         <p:xfrm>
-          <a:off x="914400" y="688975"/>
-          <a:ext cx="6794500" cy="5191125"/>
+          <a:off x="914400" y="693738"/>
+          <a:ext cx="6796088" cy="5180012"/>
         </p:xfrm>
         <a:graphic>
           <a:graphicData uri="http://schemas.openxmlformats.org/presentationml/2006/ole">
             <mc:AlternateContent xmlns:mc="http://schemas.openxmlformats.org/markup-compatibility/2006">
               <mc:Choice xmlns:v="urn:schemas-microsoft-com:vml" Requires="v">
-                <p:oleObj spid="_x0000_s1043" name="Document" r:id="rId4" imgW="6856313" imgH="5243485" progId="Word.Document.12">
+                <p:oleObj spid="_x0000_s1045" name="Document" r:id="rId4" imgW="6858000" imgH="5232400" progId="Word.Document.12">
                   <p:embed/>
                 </p:oleObj>
               </mc:Choice>
               <mc:Fallback>
-                <p:oleObj name="Document" r:id="rId4" imgW="6856313" imgH="5243485" progId="Word.Document.12">
+                <p:oleObj name="Document" r:id="rId4" imgW="6858000" imgH="5232400" progId="Word.Document.12">
                   <p:embed/>
                   <p:pic>
                     <p:nvPicPr>
@@ -11970,8 +11618,8 @@
                     </p:blipFill>
                     <p:spPr>
                       <a:xfrm>
-                        <a:off x="914400" y="688975"/>
-                        <a:ext cx="6794500" cy="5191125"/>
+                        <a:off x="914400" y="693738"/>
+                        <a:ext cx="6796088" cy="5180012"/>
                       </a:xfrm>
                       <a:prstGeom prst="rect">
                         <a:avLst/>
@@ -11994,13 +11642,6 @@
   <p:clrMapOvr>
     <a:masterClrMapping/>
   </p:clrMapOvr>
-  <p:timing>
-    <p:tnLst>
-      <p:par>
-        <p:cTn id="1" dur="indefinite" restart="never" nodeType="tmRoot"/>
-      </p:par>
-    </p:tnLst>
-  </p:timing>
 </p:sld>
 </file>
 
@@ -12040,10 +11681,9 @@
               <a:defRPr/>
             </a:pPr>
             <a:r>
-              <a:rPr lang="en-US" smtClean="0"/>
+              <a:rPr lang="en-US"/>
               <a:t>Murach's Android Programming, C18</a:t>
             </a:r>
-            <a:endParaRPr lang="en-US"/>
           </a:p>
         </p:txBody>
       </p:sp>
@@ -12066,10 +11706,9 @@
               <a:defRPr/>
             </a:pPr>
             <a:r>
-              <a:rPr lang="en-US" dirty="0" smtClean="0"/>
+              <a:rPr lang="en-US" dirty="0"/>
               <a:t>© 2015, Mike Murach &amp; Associates, Inc.</a:t>
             </a:r>
-            <a:endParaRPr lang="en-US" dirty="0"/>
           </a:p>
         </p:txBody>
       </p:sp>
@@ -12091,14 +11730,14 @@
             <a:pPr>
               <a:defRPr/>
             </a:pPr>
-            <a:endParaRPr lang="en-US" dirty="0" smtClean="0"/>
+            <a:endParaRPr lang="en-US" dirty="0"/>
           </a:p>
           <a:p>
             <a:pPr algn="r">
               <a:defRPr/>
             </a:pPr>
             <a:r>
-              <a:rPr lang="en-US" sz="900" dirty="0" smtClean="0">
+              <a:rPr lang="en-US" sz="900" dirty="0">
                 <a:latin typeface="Arial Narrow" pitchFamily="34" charset="0"/>
               </a:rPr>
               <a:t>Slide </a:t>
@@ -12140,7 +11779,7 @@
           <a:graphicData uri="http://schemas.openxmlformats.org/presentationml/2006/ole">
             <mc:AlternateContent xmlns:mc="http://schemas.openxmlformats.org/markup-compatibility/2006">
               <mc:Choice xmlns:v="urn:schemas-microsoft-com:vml" Requires="v">
-                <p:oleObj spid="_x0000_s2067" name="Document" r:id="rId3" imgW="6965814" imgH="2088506" progId="Word.Document.12">
+                <p:oleObj spid="_x0000_s2069" name="Document" r:id="rId3" imgW="6965814" imgH="2088506" progId="Word.Document.12">
                   <p:embed/>
                 </p:oleObj>
               </mc:Choice>
@@ -12185,13 +11824,6 @@
   <p:clrMapOvr>
     <a:masterClrMapping/>
   </p:clrMapOvr>
-  <p:timing>
-    <p:tnLst>
-      <p:par>
-        <p:cTn id="1" dur="indefinite" restart="never" nodeType="tmRoot"/>
-      </p:par>
-    </p:tnLst>
-  </p:timing>
 </p:sld>
 </file>
 
@@ -12228,18 +11860,13 @@
           <a:lstStyle/>
           <a:p>
             <a:r>
-              <a:rPr lang="en-US" dirty="0" smtClean="0">
+              <a:rPr lang="en-US" dirty="0">
                 <a:solidFill>
                   <a:srgbClr val="0000FF"/>
                 </a:solidFill>
               </a:rPr>
               <a:t>Choice of APIs</a:t>
             </a:r>
-            <a:endParaRPr lang="en-US" dirty="0">
-              <a:solidFill>
-                <a:srgbClr val="0000FF"/>
-              </a:solidFill>
-            </a:endParaRPr>
           </a:p>
         </p:txBody>
       </p:sp>
@@ -12261,57 +11888,41 @@
           <a:lstStyle/>
           <a:p>
             <a:r>
-              <a:rPr lang="en-US" dirty="0" smtClean="0"/>
-              <a:t>Android </a:t>
-            </a:r>
-            <a:r>
               <a:rPr lang="en-US" dirty="0"/>
-              <a:t>Location Services </a:t>
-            </a:r>
-            <a:r>
-              <a:rPr lang="en-US" dirty="0" smtClean="0"/>
-              <a:t>API</a:t>
+              <a:t>Android Location Services API</a:t>
             </a:r>
           </a:p>
           <a:p>
             <a:pPr lvl="1"/>
             <a:r>
-              <a:rPr lang="en-US" dirty="0" smtClean="0"/>
+              <a:rPr lang="en-US" dirty="0"/>
               <a:t>Lets you choose between: GPS, Cellular, Wi-Fi</a:t>
             </a:r>
           </a:p>
           <a:p>
             <a:pPr lvl="1"/>
             <a:r>
-              <a:rPr lang="en-US" dirty="0" smtClean="0"/>
+              <a:rPr lang="en-US" dirty="0"/>
               <a:t>No longer recommended by Google</a:t>
             </a:r>
           </a:p>
           <a:p>
             <a:r>
-              <a:rPr lang="en-US" dirty="0" smtClean="0"/>
-              <a:t> Fused </a:t>
-            </a:r>
-            <a:r>
               <a:rPr lang="en-US" dirty="0"/>
-              <a:t>Location </a:t>
-            </a:r>
-            <a:r>
-              <a:rPr lang="en-US" dirty="0" smtClean="0"/>
-              <a:t>Provider</a:t>
+              <a:t> Fused Location Provider</a:t>
             </a:r>
           </a:p>
           <a:p>
             <a:pPr lvl="1"/>
             <a:r>
-              <a:rPr lang="en-US" dirty="0" smtClean="0"/>
+              <a:rPr lang="en-US" dirty="0"/>
               <a:t>Dynamically chooses the best location provider</a:t>
             </a:r>
           </a:p>
           <a:p>
             <a:pPr lvl="1"/>
             <a:r>
-              <a:rPr lang="en-US" dirty="0" smtClean="0"/>
+              <a:rPr lang="en-US" dirty="0"/>
               <a:t>Preferred by Google, requires Google Play Services</a:t>
             </a:r>
           </a:p>
@@ -12327,13 +11938,6 @@
   <p:clrMapOvr>
     <a:masterClrMapping/>
   </p:clrMapOvr>
-  <p:timing>
-    <p:tnLst>
-      <p:par>
-        <p:cTn id="1" dur="indefinite" restart="never" nodeType="tmRoot"/>
-      </p:par>
-    </p:tnLst>
-  </p:timing>
 </p:sld>
 </file>
 
@@ -12391,18 +11995,13 @@
           <a:lstStyle/>
           <a:p>
             <a:r>
-              <a:rPr lang="en-US" dirty="0" smtClean="0">
+              <a:rPr lang="en-US" dirty="0">
                 <a:solidFill>
                   <a:srgbClr val="0000FF"/>
                 </a:solidFill>
               </a:rPr>
               <a:t>Google Play Services</a:t>
             </a:r>
-            <a:endParaRPr lang="en-US" dirty="0">
-              <a:solidFill>
-                <a:srgbClr val="0000FF"/>
-              </a:solidFill>
-            </a:endParaRPr>
           </a:p>
         </p:txBody>
       </p:sp>
@@ -12435,13 +12034,6 @@
   <p:clrMapOvr>
     <a:masterClrMapping/>
   </p:clrMapOvr>
-  <p:timing>
-    <p:tnLst>
-      <p:par>
-        <p:cTn id="1" dur="indefinite" restart="never" nodeType="tmRoot"/>
-      </p:par>
-    </p:tnLst>
-  </p:timing>
 </p:sld>
 </file>
 
@@ -12478,18 +12070,13 @@
           <a:lstStyle/>
           <a:p>
             <a:r>
-              <a:rPr lang="en-US" dirty="0" smtClean="0">
+              <a:rPr lang="en-US" dirty="0">
                 <a:solidFill>
                   <a:srgbClr val="0000FF"/>
                 </a:solidFill>
               </a:rPr>
               <a:t>Google Play Services APIs</a:t>
             </a:r>
-            <a:endParaRPr lang="en-US" dirty="0">
-              <a:solidFill>
-                <a:srgbClr val="0000FF"/>
-              </a:solidFill>
-            </a:endParaRPr>
           </a:p>
         </p:txBody>
       </p:sp>
@@ -12511,44 +12098,27 @@
           <a:lstStyle/>
           <a:p>
             <a:r>
-              <a:rPr lang="en-US" dirty="0" smtClean="0"/>
-              <a:t>The APIs are delivered in an APK </a:t>
-            </a:r>
-            <a:r>
               <a:rPr lang="en-US" dirty="0"/>
-              <a:t>that </a:t>
-            </a:r>
-            <a:r>
-              <a:rPr lang="en-US" dirty="0" smtClean="0"/>
-              <a:t>is </a:t>
-            </a:r>
+              <a:t>The APIs are delivered in an APK that is updated via the Google Play Store</a:t>
+            </a:r>
+          </a:p>
+          <a:p>
             <a:r>
               <a:rPr lang="en-US" dirty="0"/>
-              <a:t>updated via the Google Play </a:t>
-            </a:r>
-            <a:r>
-              <a:rPr lang="en-US" dirty="0" smtClean="0"/>
-              <a:t>Store</a:t>
-            </a:r>
-          </a:p>
-          <a:p>
-            <a:r>
-              <a:rPr lang="en-US" dirty="0" smtClean="0"/>
               <a:t>They are updated without an Android OS update- reducing Android API fragmentation</a:t>
             </a:r>
           </a:p>
           <a:p>
             <a:r>
-              <a:rPr lang="en-US" dirty="0" smtClean="0"/>
+              <a:rPr lang="en-US" dirty="0"/>
               <a:t>Updates are automatically and silently delivered within days of an API update being released</a:t>
             </a:r>
           </a:p>
           <a:p>
             <a:r>
-              <a:rPr lang="en-US" dirty="0" smtClean="0"/>
+              <a:rPr lang="en-US" dirty="0"/>
               <a:t>Available for API 9 and newer</a:t>
             </a:r>
-            <a:endParaRPr lang="en-US" dirty="0"/>
           </a:p>
         </p:txBody>
       </p:sp>
@@ -12562,13 +12132,6 @@
   <p:clrMapOvr>
     <a:masterClrMapping/>
   </p:clrMapOvr>
-  <p:timing>
-    <p:tnLst>
-      <p:par>
-        <p:cTn id="1" dur="indefinite" restart="never" nodeType="tmRoot"/>
-      </p:par>
-    </p:tnLst>
-  </p:timing>
 </p:sld>
 </file>
 
